--- a/DB/Presentación1.pptx
+++ b/DB/Presentación1.pptx
@@ -5,11 +5,21 @@
     <p:sldMasterId id="2147483648" r:id="rId1"/>
   </p:sldMasterIdLst>
   <p:sldIdLst>
-    <p:sldId id="260" r:id="rId2"/>
-    <p:sldId id="256" r:id="rId3"/>
-    <p:sldId id="257" r:id="rId4"/>
-    <p:sldId id="258" r:id="rId5"/>
-    <p:sldId id="259" r:id="rId6"/>
+    <p:sldId id="261" r:id="rId2"/>
+    <p:sldId id="262" r:id="rId3"/>
+    <p:sldId id="263" r:id="rId4"/>
+    <p:sldId id="264" r:id="rId5"/>
+    <p:sldId id="265" r:id="rId6"/>
+    <p:sldId id="266" r:id="rId7"/>
+    <p:sldId id="267" r:id="rId8"/>
+    <p:sldId id="268" r:id="rId9"/>
+    <p:sldId id="269" r:id="rId10"/>
+    <p:sldId id="270" r:id="rId11"/>
+    <p:sldId id="260" r:id="rId12"/>
+    <p:sldId id="256" r:id="rId13"/>
+    <p:sldId id="257" r:id="rId14"/>
+    <p:sldId id="258" r:id="rId15"/>
+    <p:sldId id="259" r:id="rId16"/>
   </p:sldIdLst>
   <p:sldSz cx="12192000" cy="6858000"/>
   <p:notesSz cx="6858000" cy="9144000"/>
@@ -108,6 +118,11 @@
       </a:defRPr>
     </a:lvl9pPr>
   </p:defaultTextStyle>
+  <p:extLst>
+    <p:ext uri="{EFAFB233-063F-42B5-8137-9DF3F51BA10A}">
+      <p15:sldGuideLst xmlns:p15="http://schemas.microsoft.com/office/powerpoint/2012/main"/>
+    </p:ext>
+  </p:extLst>
 </p:presentation>
 </file>
 
@@ -2977,6 +2992,140 @@
           <p:nvPr/>
         </p:nvPicPr>
         <p:blipFill>
+          <a:blip r:embed="rId2">
+            <a:extLst>
+              <a:ext uri="{28A0092B-C50C-407E-A947-70E740481C1C}">
+                <a14:useLocalDpi xmlns:a14="http://schemas.microsoft.com/office/drawing/2010/main" val="0"/>
+              </a:ext>
+            </a:extLst>
+          </a:blip>
+          <a:stretch>
+            <a:fillRect/>
+          </a:stretch>
+        </p:blipFill>
+        <p:spPr>
+          <a:xfrm>
+            <a:off x="0" y="201906"/>
+            <a:ext cx="12192000" cy="6454187"/>
+          </a:xfrm>
+          <a:prstGeom prst="rect">
+            <a:avLst/>
+          </a:prstGeom>
+        </p:spPr>
+      </p:pic>
+    </p:spTree>
+    <p:extLst>
+      <p:ext uri="{BB962C8B-B14F-4D97-AF65-F5344CB8AC3E}">
+        <p14:creationId xmlns:p14="http://schemas.microsoft.com/office/powerpoint/2010/main" val="3934901136"/>
+      </p:ext>
+    </p:extLst>
+  </p:cSld>
+  <p:clrMapOvr>
+    <a:masterClrMapping/>
+  </p:clrMapOvr>
+  <p:timing>
+    <p:tnLst>
+      <p:par>
+        <p:cTn id="1" dur="indefinite" restart="never" nodeType="tmRoot"/>
+      </p:par>
+    </p:tnLst>
+  </p:timing>
+</p:sld>
+</file>
+
+<file path=ppt/slides/slide10.xml><?xml version="1.0" encoding="utf-8"?>
+<p:sld xmlns:a="http://schemas.openxmlformats.org/drawingml/2006/main" xmlns:r="http://schemas.openxmlformats.org/officeDocument/2006/relationships" xmlns:p="http://schemas.openxmlformats.org/presentationml/2006/main">
+  <p:cSld>
+    <p:spTree>
+      <p:nvGrpSpPr>
+        <p:cNvPr id="1" name=""/>
+        <p:cNvGrpSpPr/>
+        <p:nvPr/>
+      </p:nvGrpSpPr>
+      <p:grpSpPr>
+        <a:xfrm>
+          <a:off x="0" y="0"/>
+          <a:ext cx="0" cy="0"/>
+          <a:chOff x="0" y="0"/>
+          <a:chExt cx="0" cy="0"/>
+        </a:xfrm>
+      </p:grpSpPr>
+      <p:pic>
+        <p:nvPicPr>
+          <p:cNvPr id="2" name="Imagen 1"/>
+          <p:cNvPicPr>
+            <a:picLocks noChangeAspect="1"/>
+          </p:cNvPicPr>
+          <p:nvPr/>
+        </p:nvPicPr>
+        <p:blipFill>
+          <a:blip r:embed="rId2">
+            <a:extLst>
+              <a:ext uri="{28A0092B-C50C-407E-A947-70E740481C1C}">
+                <a14:useLocalDpi xmlns:a14="http://schemas.microsoft.com/office/drawing/2010/main" val="0"/>
+              </a:ext>
+            </a:extLst>
+          </a:blip>
+          <a:stretch>
+            <a:fillRect/>
+          </a:stretch>
+        </p:blipFill>
+        <p:spPr>
+          <a:xfrm>
+            <a:off x="0" y="147408"/>
+            <a:ext cx="12192000" cy="6563184"/>
+          </a:xfrm>
+          <a:prstGeom prst="rect">
+            <a:avLst/>
+          </a:prstGeom>
+        </p:spPr>
+      </p:pic>
+    </p:spTree>
+    <p:extLst>
+      <p:ext uri="{BB962C8B-B14F-4D97-AF65-F5344CB8AC3E}">
+        <p14:creationId xmlns:p14="http://schemas.microsoft.com/office/powerpoint/2010/main" val="388898912"/>
+      </p:ext>
+    </p:extLst>
+  </p:cSld>
+  <p:clrMapOvr>
+    <a:masterClrMapping/>
+  </p:clrMapOvr>
+  <p:timing>
+    <p:tnLst>
+      <p:par>
+        <p:cTn id="1" dur="indefinite" restart="never" nodeType="tmRoot"/>
+      </p:par>
+    </p:tnLst>
+  </p:timing>
+</p:sld>
+</file>
+
+<file path=ppt/slides/slide11.xml><?xml version="1.0" encoding="utf-8"?>
+<p:sld xmlns:a="http://schemas.openxmlformats.org/drawingml/2006/main" xmlns:r="http://schemas.openxmlformats.org/officeDocument/2006/relationships" xmlns:p="http://schemas.openxmlformats.org/presentationml/2006/main">
+  <p:cSld>
+    <p:spTree>
+      <p:nvGrpSpPr>
+        <p:cNvPr id="1" name=""/>
+        <p:cNvGrpSpPr/>
+        <p:nvPr/>
+      </p:nvGrpSpPr>
+      <p:grpSpPr>
+        <a:xfrm>
+          <a:off x="0" y="0"/>
+          <a:ext cx="0" cy="0"/>
+          <a:chOff x="0" y="0"/>
+          <a:chExt cx="0" cy="0"/>
+        </a:xfrm>
+      </p:grpSpPr>
+      <p:pic>
+        <p:nvPicPr>
+          <p:cNvPr id="2" name="Imagen 1"/>
+          <p:cNvPicPr>
+            <a:picLocks noChangeAspect="1"/>
+          </p:cNvPicPr>
+          <p:nvPr/>
+        </p:nvPicPr>
+        <p:blipFill>
           <a:blip r:embed="rId2"/>
           <a:stretch>
             <a:fillRect/>
@@ -2996,6 +3145,708 @@
     <p:extLst>
       <p:ext uri="{BB962C8B-B14F-4D97-AF65-F5344CB8AC3E}">
         <p14:creationId xmlns:p14="http://schemas.microsoft.com/office/powerpoint/2010/main" val="2861232732"/>
+      </p:ext>
+    </p:extLst>
+  </p:cSld>
+  <p:clrMapOvr>
+    <a:masterClrMapping/>
+  </p:clrMapOvr>
+  <p:timing>
+    <p:tnLst>
+      <p:par>
+        <p:cTn id="1" dur="indefinite" restart="never" nodeType="tmRoot"/>
+      </p:par>
+    </p:tnLst>
+  </p:timing>
+</p:sld>
+</file>
+
+<file path=ppt/slides/slide12.xml><?xml version="1.0" encoding="utf-8"?>
+<p:sld xmlns:a="http://schemas.openxmlformats.org/drawingml/2006/main" xmlns:r="http://schemas.openxmlformats.org/officeDocument/2006/relationships" xmlns:p="http://schemas.openxmlformats.org/presentationml/2006/main">
+  <p:cSld>
+    <p:spTree>
+      <p:nvGrpSpPr>
+        <p:cNvPr id="1" name=""/>
+        <p:cNvGrpSpPr/>
+        <p:nvPr/>
+      </p:nvGrpSpPr>
+      <p:grpSpPr>
+        <a:xfrm>
+          <a:off x="0" y="0"/>
+          <a:ext cx="0" cy="0"/>
+          <a:chOff x="0" y="0"/>
+          <a:chExt cx="0" cy="0"/>
+        </a:xfrm>
+      </p:grpSpPr>
+      <p:pic>
+        <p:nvPicPr>
+          <p:cNvPr id="4" name="Imagen 3"/>
+          <p:cNvPicPr>
+            <a:picLocks noChangeAspect="1"/>
+          </p:cNvPicPr>
+          <p:nvPr/>
+        </p:nvPicPr>
+        <p:blipFill>
+          <a:blip r:embed="rId2"/>
+          <a:stretch>
+            <a:fillRect/>
+          </a:stretch>
+        </p:blipFill>
+        <p:spPr>
+          <a:xfrm>
+            <a:off x="683258" y="662922"/>
+            <a:ext cx="9817124" cy="4323604"/>
+          </a:xfrm>
+          <a:prstGeom prst="rect">
+            <a:avLst/>
+          </a:prstGeom>
+        </p:spPr>
+      </p:pic>
+      <p:cxnSp>
+        <p:nvCxnSpPr>
+          <p:cNvPr id="6" name="Conector recto de flecha 5"/>
+          <p:cNvCxnSpPr/>
+          <p:nvPr/>
+        </p:nvCxnSpPr>
+        <p:spPr>
+          <a:xfrm flipH="1">
+            <a:off x="1852864" y="288757"/>
+            <a:ext cx="2755232" cy="2081464"/>
+          </a:xfrm>
+          <a:prstGeom prst="straightConnector1">
+            <a:avLst/>
+          </a:prstGeom>
+          <a:ln>
+            <a:solidFill>
+              <a:schemeClr val="accent5">
+                <a:lumMod val="50000"/>
+              </a:schemeClr>
+            </a:solidFill>
+            <a:tailEnd type="triangle"/>
+          </a:ln>
+        </p:spPr>
+        <p:style>
+          <a:lnRef idx="1">
+            <a:schemeClr val="accent1"/>
+          </a:lnRef>
+          <a:fillRef idx="0">
+            <a:schemeClr val="accent1"/>
+          </a:fillRef>
+          <a:effectRef idx="0">
+            <a:schemeClr val="accent1"/>
+          </a:effectRef>
+          <a:fontRef idx="minor">
+            <a:schemeClr val="tx1"/>
+          </a:fontRef>
+        </p:style>
+      </p:cxnSp>
+      <p:sp>
+        <p:nvSpPr>
+          <p:cNvPr id="7" name="Rectángulo 6"/>
+          <p:cNvSpPr/>
+          <p:nvPr/>
+        </p:nvSpPr>
+        <p:spPr>
+          <a:xfrm>
+            <a:off x="4692317" y="84221"/>
+            <a:ext cx="1082842" cy="324852"/>
+          </a:xfrm>
+          <a:prstGeom prst="rect">
+            <a:avLst/>
+          </a:prstGeom>
+        </p:spPr>
+        <p:style>
+          <a:lnRef idx="2">
+            <a:schemeClr val="accent1">
+              <a:shade val="50000"/>
+            </a:schemeClr>
+          </a:lnRef>
+          <a:fillRef idx="1">
+            <a:schemeClr val="accent1"/>
+          </a:fillRef>
+          <a:effectRef idx="0">
+            <a:schemeClr val="accent1"/>
+          </a:effectRef>
+          <a:fontRef idx="minor">
+            <a:schemeClr val="lt1"/>
+          </a:fontRef>
+        </p:style>
+        <p:txBody>
+          <a:bodyPr rtlCol="0" anchor="ctr"/>
+          <a:lstStyle/>
+          <a:p>
+            <a:pPr algn="ctr"/>
+            <a:r>
+              <a:rPr lang="es-MX" dirty="0" smtClean="0"/>
+              <a:t>Editar</a:t>
+            </a:r>
+            <a:endParaRPr lang="es-MX" dirty="0"/>
+          </a:p>
+        </p:txBody>
+      </p:sp>
+    </p:spTree>
+    <p:extLst>
+      <p:ext uri="{BB962C8B-B14F-4D97-AF65-F5344CB8AC3E}">
+        <p14:creationId xmlns:p14="http://schemas.microsoft.com/office/powerpoint/2010/main" val="1116087165"/>
+      </p:ext>
+    </p:extLst>
+  </p:cSld>
+  <p:clrMapOvr>
+    <a:masterClrMapping/>
+  </p:clrMapOvr>
+  <p:timing>
+    <p:tnLst>
+      <p:par>
+        <p:cTn id="1" dur="indefinite" restart="never" nodeType="tmRoot"/>
+      </p:par>
+    </p:tnLst>
+  </p:timing>
+</p:sld>
+</file>
+
+<file path=ppt/slides/slide13.xml><?xml version="1.0" encoding="utf-8"?>
+<p:sld xmlns:a="http://schemas.openxmlformats.org/drawingml/2006/main" xmlns:r="http://schemas.openxmlformats.org/officeDocument/2006/relationships" xmlns:p="http://schemas.openxmlformats.org/presentationml/2006/main">
+  <p:cSld>
+    <p:spTree>
+      <p:nvGrpSpPr>
+        <p:cNvPr id="1" name=""/>
+        <p:cNvGrpSpPr/>
+        <p:nvPr/>
+      </p:nvGrpSpPr>
+      <p:grpSpPr>
+        <a:xfrm>
+          <a:off x="0" y="0"/>
+          <a:ext cx="0" cy="0"/>
+          <a:chOff x="0" y="0"/>
+          <a:chExt cx="0" cy="0"/>
+        </a:xfrm>
+      </p:grpSpPr>
+      <p:pic>
+        <p:nvPicPr>
+          <p:cNvPr id="2" name="Imagen 1"/>
+          <p:cNvPicPr>
+            <a:picLocks noChangeAspect="1"/>
+          </p:cNvPicPr>
+          <p:nvPr/>
+        </p:nvPicPr>
+        <p:blipFill>
+          <a:blip r:embed="rId2"/>
+          <a:stretch>
+            <a:fillRect/>
+          </a:stretch>
+        </p:blipFill>
+        <p:spPr>
+          <a:xfrm>
+            <a:off x="816469" y="675924"/>
+            <a:ext cx="10150549" cy="4763470"/>
+          </a:xfrm>
+          <a:prstGeom prst="rect">
+            <a:avLst/>
+          </a:prstGeom>
+        </p:spPr>
+      </p:pic>
+      <p:sp>
+        <p:nvSpPr>
+          <p:cNvPr id="4" name="Rectángulo 3"/>
+          <p:cNvSpPr/>
+          <p:nvPr/>
+        </p:nvSpPr>
+        <p:spPr>
+          <a:xfrm>
+            <a:off x="5978299" y="1179095"/>
+            <a:ext cx="1773583" cy="324852"/>
+          </a:xfrm>
+          <a:prstGeom prst="rect">
+            <a:avLst/>
+          </a:prstGeom>
+        </p:spPr>
+        <p:style>
+          <a:lnRef idx="2">
+            <a:schemeClr val="accent1">
+              <a:shade val="50000"/>
+            </a:schemeClr>
+          </a:lnRef>
+          <a:fillRef idx="1">
+            <a:schemeClr val="accent1"/>
+          </a:fillRef>
+          <a:effectRef idx="0">
+            <a:schemeClr val="accent1"/>
+          </a:effectRef>
+          <a:fontRef idx="minor">
+            <a:schemeClr val="lt1"/>
+          </a:fontRef>
+        </p:style>
+        <p:txBody>
+          <a:bodyPr rtlCol="0" anchor="ctr"/>
+          <a:lstStyle/>
+          <a:p>
+            <a:pPr algn="ctr"/>
+            <a:r>
+              <a:rPr lang="es-MX" dirty="0" smtClean="0"/>
+              <a:t>Editar Campos</a:t>
+            </a:r>
+            <a:endParaRPr lang="es-MX" dirty="0"/>
+          </a:p>
+        </p:txBody>
+      </p:sp>
+      <p:sp>
+        <p:nvSpPr>
+          <p:cNvPr id="5" name="Abrir llave 4"/>
+          <p:cNvSpPr/>
+          <p:nvPr/>
+        </p:nvSpPr>
+        <p:spPr>
+          <a:xfrm rot="5400000">
+            <a:off x="6537770" y="-1944491"/>
+            <a:ext cx="654643" cy="7950720"/>
+          </a:xfrm>
+          <a:prstGeom prst="leftBrace">
+            <a:avLst>
+              <a:gd name="adj1" fmla="val 8333"/>
+              <a:gd name="adj2" fmla="val 49845"/>
+            </a:avLst>
+          </a:prstGeom>
+          <a:ln>
+            <a:solidFill>
+              <a:schemeClr val="accent5">
+                <a:lumMod val="50000"/>
+              </a:schemeClr>
+            </a:solidFill>
+          </a:ln>
+        </p:spPr>
+        <p:style>
+          <a:lnRef idx="1">
+            <a:schemeClr val="accent1"/>
+          </a:lnRef>
+          <a:fillRef idx="0">
+            <a:schemeClr val="accent1"/>
+          </a:fillRef>
+          <a:effectRef idx="0">
+            <a:schemeClr val="accent1"/>
+          </a:effectRef>
+          <a:fontRef idx="minor">
+            <a:schemeClr val="tx1"/>
+          </a:fontRef>
+        </p:style>
+        <p:txBody>
+          <a:bodyPr rtlCol="0" anchor="ctr"/>
+          <a:lstStyle/>
+          <a:p>
+            <a:pPr algn="ctr"/>
+            <a:endParaRPr lang="es-MX"/>
+          </a:p>
+        </p:txBody>
+      </p:sp>
+      <p:sp>
+        <p:nvSpPr>
+          <p:cNvPr id="6" name="Rectángulo 5"/>
+          <p:cNvSpPr/>
+          <p:nvPr/>
+        </p:nvSpPr>
+        <p:spPr>
+          <a:xfrm>
+            <a:off x="3621504" y="5638994"/>
+            <a:ext cx="1347537" cy="324852"/>
+          </a:xfrm>
+          <a:prstGeom prst="rect">
+            <a:avLst/>
+          </a:prstGeom>
+        </p:spPr>
+        <p:style>
+          <a:lnRef idx="2">
+            <a:schemeClr val="accent1">
+              <a:shade val="50000"/>
+            </a:schemeClr>
+          </a:lnRef>
+          <a:fillRef idx="1">
+            <a:schemeClr val="accent1"/>
+          </a:fillRef>
+          <a:effectRef idx="0">
+            <a:schemeClr val="accent1"/>
+          </a:effectRef>
+          <a:fontRef idx="minor">
+            <a:schemeClr val="lt1"/>
+          </a:fontRef>
+        </p:style>
+        <p:txBody>
+          <a:bodyPr rtlCol="0" anchor="ctr"/>
+          <a:lstStyle/>
+          <a:p>
+            <a:pPr algn="ctr"/>
+            <a:r>
+              <a:rPr lang="es-MX" dirty="0" smtClean="0"/>
+              <a:t>Paginación</a:t>
+            </a:r>
+            <a:endParaRPr lang="es-MX" dirty="0"/>
+          </a:p>
+        </p:txBody>
+      </p:sp>
+      <p:cxnSp>
+        <p:nvCxnSpPr>
+          <p:cNvPr id="7" name="Conector recto de flecha 6"/>
+          <p:cNvCxnSpPr/>
+          <p:nvPr/>
+        </p:nvCxnSpPr>
+        <p:spPr>
+          <a:xfrm flipH="1" flipV="1">
+            <a:off x="1624264" y="5342021"/>
+            <a:ext cx="1900989" cy="445168"/>
+          </a:xfrm>
+          <a:prstGeom prst="straightConnector1">
+            <a:avLst/>
+          </a:prstGeom>
+          <a:ln>
+            <a:solidFill>
+              <a:schemeClr val="accent5">
+                <a:lumMod val="50000"/>
+              </a:schemeClr>
+            </a:solidFill>
+            <a:tailEnd type="triangle"/>
+          </a:ln>
+        </p:spPr>
+        <p:style>
+          <a:lnRef idx="1">
+            <a:schemeClr val="accent1"/>
+          </a:lnRef>
+          <a:fillRef idx="0">
+            <a:schemeClr val="accent1"/>
+          </a:fillRef>
+          <a:effectRef idx="0">
+            <a:schemeClr val="accent1"/>
+          </a:effectRef>
+          <a:fontRef idx="minor">
+            <a:schemeClr val="tx1"/>
+          </a:fontRef>
+        </p:style>
+      </p:cxnSp>
+    </p:spTree>
+    <p:extLst>
+      <p:ext uri="{BB962C8B-B14F-4D97-AF65-F5344CB8AC3E}">
+        <p14:creationId xmlns:p14="http://schemas.microsoft.com/office/powerpoint/2010/main" val="957321005"/>
+      </p:ext>
+    </p:extLst>
+  </p:cSld>
+  <p:clrMapOvr>
+    <a:masterClrMapping/>
+  </p:clrMapOvr>
+  <p:timing>
+    <p:tnLst>
+      <p:par>
+        <p:cTn id="1" dur="indefinite" restart="never" nodeType="tmRoot"/>
+      </p:par>
+    </p:tnLst>
+  </p:timing>
+</p:sld>
+</file>
+
+<file path=ppt/slides/slide14.xml><?xml version="1.0" encoding="utf-8"?>
+<p:sld xmlns:a="http://schemas.openxmlformats.org/drawingml/2006/main" xmlns:r="http://schemas.openxmlformats.org/officeDocument/2006/relationships" xmlns:p="http://schemas.openxmlformats.org/presentationml/2006/main">
+  <p:cSld>
+    <p:spTree>
+      <p:nvGrpSpPr>
+        <p:cNvPr id="1" name=""/>
+        <p:cNvGrpSpPr/>
+        <p:nvPr/>
+      </p:nvGrpSpPr>
+      <p:grpSpPr>
+        <a:xfrm>
+          <a:off x="0" y="0"/>
+          <a:ext cx="0" cy="0"/>
+          <a:chOff x="0" y="0"/>
+          <a:chExt cx="0" cy="0"/>
+        </a:xfrm>
+      </p:grpSpPr>
+      <p:pic>
+        <p:nvPicPr>
+          <p:cNvPr id="2" name="Imagen 1"/>
+          <p:cNvPicPr>
+            <a:picLocks noChangeAspect="1"/>
+          </p:cNvPicPr>
+          <p:nvPr/>
+        </p:nvPicPr>
+        <p:blipFill>
+          <a:blip r:embed="rId2"/>
+          <a:stretch>
+            <a:fillRect/>
+          </a:stretch>
+        </p:blipFill>
+        <p:spPr>
+          <a:xfrm>
+            <a:off x="866775" y="952500"/>
+            <a:ext cx="10458450" cy="4953000"/>
+          </a:xfrm>
+          <a:prstGeom prst="rect">
+            <a:avLst/>
+          </a:prstGeom>
+        </p:spPr>
+      </p:pic>
+      <p:cxnSp>
+        <p:nvCxnSpPr>
+          <p:cNvPr id="3" name="Conector recto de flecha 2"/>
+          <p:cNvCxnSpPr/>
+          <p:nvPr/>
+        </p:nvCxnSpPr>
+        <p:spPr>
+          <a:xfrm flipH="1">
+            <a:off x="1913021" y="685800"/>
+            <a:ext cx="2755232" cy="2081464"/>
+          </a:xfrm>
+          <a:prstGeom prst="straightConnector1">
+            <a:avLst/>
+          </a:prstGeom>
+          <a:ln>
+            <a:solidFill>
+              <a:schemeClr val="accent5">
+                <a:lumMod val="50000"/>
+              </a:schemeClr>
+            </a:solidFill>
+            <a:tailEnd type="triangle"/>
+          </a:ln>
+        </p:spPr>
+        <p:style>
+          <a:lnRef idx="1">
+            <a:schemeClr val="accent1"/>
+          </a:lnRef>
+          <a:fillRef idx="0">
+            <a:schemeClr val="accent1"/>
+          </a:fillRef>
+          <a:effectRef idx="0">
+            <a:schemeClr val="accent1"/>
+          </a:effectRef>
+          <a:fontRef idx="minor">
+            <a:schemeClr val="tx1"/>
+          </a:fontRef>
+        </p:style>
+      </p:cxnSp>
+      <p:sp>
+        <p:nvSpPr>
+          <p:cNvPr id="4" name="Rectángulo 3"/>
+          <p:cNvSpPr/>
+          <p:nvPr/>
+        </p:nvSpPr>
+        <p:spPr>
+          <a:xfrm>
+            <a:off x="4752474" y="481264"/>
+            <a:ext cx="1082842" cy="324852"/>
+          </a:xfrm>
+          <a:prstGeom prst="rect">
+            <a:avLst/>
+          </a:prstGeom>
+        </p:spPr>
+        <p:style>
+          <a:lnRef idx="2">
+            <a:schemeClr val="accent1">
+              <a:shade val="50000"/>
+            </a:schemeClr>
+          </a:lnRef>
+          <a:fillRef idx="1">
+            <a:schemeClr val="accent1"/>
+          </a:fillRef>
+          <a:effectRef idx="0">
+            <a:schemeClr val="accent1"/>
+          </a:effectRef>
+          <a:fontRef idx="minor">
+            <a:schemeClr val="lt1"/>
+          </a:fontRef>
+        </p:style>
+        <p:txBody>
+          <a:bodyPr rtlCol="0" anchor="ctr"/>
+          <a:lstStyle/>
+          <a:p>
+            <a:pPr algn="ctr"/>
+            <a:r>
+              <a:rPr lang="es-MX" dirty="0" smtClean="0"/>
+              <a:t>Grabar</a:t>
+            </a:r>
+            <a:endParaRPr lang="es-MX" dirty="0"/>
+          </a:p>
+        </p:txBody>
+      </p:sp>
+      <p:cxnSp>
+        <p:nvCxnSpPr>
+          <p:cNvPr id="5" name="Conector recto de flecha 4"/>
+          <p:cNvCxnSpPr/>
+          <p:nvPr/>
+        </p:nvCxnSpPr>
+        <p:spPr>
+          <a:xfrm>
+            <a:off x="5919537" y="685800"/>
+            <a:ext cx="3140242" cy="529389"/>
+          </a:xfrm>
+          <a:prstGeom prst="straightConnector1">
+            <a:avLst/>
+          </a:prstGeom>
+          <a:ln>
+            <a:solidFill>
+              <a:schemeClr val="accent5">
+                <a:lumMod val="50000"/>
+              </a:schemeClr>
+            </a:solidFill>
+            <a:tailEnd type="triangle"/>
+          </a:ln>
+        </p:spPr>
+        <p:style>
+          <a:lnRef idx="1">
+            <a:schemeClr val="accent1"/>
+          </a:lnRef>
+          <a:fillRef idx="0">
+            <a:schemeClr val="accent1"/>
+          </a:fillRef>
+          <a:effectRef idx="0">
+            <a:schemeClr val="accent1"/>
+          </a:effectRef>
+          <a:fontRef idx="minor">
+            <a:schemeClr val="tx1"/>
+          </a:fontRef>
+        </p:style>
+      </p:cxnSp>
+    </p:spTree>
+    <p:extLst>
+      <p:ext uri="{BB962C8B-B14F-4D97-AF65-F5344CB8AC3E}">
+        <p14:creationId xmlns:p14="http://schemas.microsoft.com/office/powerpoint/2010/main" val="3940659129"/>
+      </p:ext>
+    </p:extLst>
+  </p:cSld>
+  <p:clrMapOvr>
+    <a:masterClrMapping/>
+  </p:clrMapOvr>
+  <p:timing>
+    <p:tnLst>
+      <p:par>
+        <p:cTn id="1" dur="indefinite" restart="never" nodeType="tmRoot"/>
+      </p:par>
+    </p:tnLst>
+  </p:timing>
+</p:sld>
+</file>
+
+<file path=ppt/slides/slide15.xml><?xml version="1.0" encoding="utf-8"?>
+<p:sld xmlns:a="http://schemas.openxmlformats.org/drawingml/2006/main" xmlns:r="http://schemas.openxmlformats.org/officeDocument/2006/relationships" xmlns:p="http://schemas.openxmlformats.org/presentationml/2006/main">
+  <p:cSld>
+    <p:spTree>
+      <p:nvGrpSpPr>
+        <p:cNvPr id="1" name=""/>
+        <p:cNvGrpSpPr/>
+        <p:nvPr/>
+      </p:nvGrpSpPr>
+      <p:grpSpPr>
+        <a:xfrm>
+          <a:off x="0" y="0"/>
+          <a:ext cx="0" cy="0"/>
+          <a:chOff x="0" y="0"/>
+          <a:chExt cx="0" cy="0"/>
+        </a:xfrm>
+      </p:grpSpPr>
+      <p:pic>
+        <p:nvPicPr>
+          <p:cNvPr id="2" name="Imagen 1"/>
+          <p:cNvPicPr>
+            <a:picLocks noChangeAspect="1"/>
+          </p:cNvPicPr>
+          <p:nvPr/>
+        </p:nvPicPr>
+        <p:blipFill>
+          <a:blip r:embed="rId2"/>
+          <a:stretch>
+            <a:fillRect/>
+          </a:stretch>
+        </p:blipFill>
+        <p:spPr>
+          <a:xfrm>
+            <a:off x="881313" y="1007394"/>
+            <a:ext cx="10477500" cy="4867275"/>
+          </a:xfrm>
+          <a:prstGeom prst="rect">
+            <a:avLst/>
+          </a:prstGeom>
+        </p:spPr>
+      </p:pic>
+      <p:cxnSp>
+        <p:nvCxnSpPr>
+          <p:cNvPr id="4" name="Conector recto de flecha 3"/>
+          <p:cNvCxnSpPr/>
+          <p:nvPr/>
+        </p:nvCxnSpPr>
+        <p:spPr>
+          <a:xfrm flipH="1">
+            <a:off x="2430379" y="757989"/>
+            <a:ext cx="2755232" cy="2081464"/>
+          </a:xfrm>
+          <a:prstGeom prst="straightConnector1">
+            <a:avLst/>
+          </a:prstGeom>
+          <a:ln>
+            <a:solidFill>
+              <a:schemeClr val="accent5">
+                <a:lumMod val="50000"/>
+              </a:schemeClr>
+            </a:solidFill>
+            <a:tailEnd type="triangle"/>
+          </a:ln>
+        </p:spPr>
+        <p:style>
+          <a:lnRef idx="1">
+            <a:schemeClr val="accent1"/>
+          </a:lnRef>
+          <a:fillRef idx="0">
+            <a:schemeClr val="accent1"/>
+          </a:fillRef>
+          <a:effectRef idx="0">
+            <a:schemeClr val="accent1"/>
+          </a:effectRef>
+          <a:fontRef idx="minor">
+            <a:schemeClr val="tx1"/>
+          </a:fontRef>
+        </p:style>
+      </p:cxnSp>
+      <p:sp>
+        <p:nvSpPr>
+          <p:cNvPr id="5" name="Rectángulo 4"/>
+          <p:cNvSpPr/>
+          <p:nvPr/>
+        </p:nvSpPr>
+        <p:spPr>
+          <a:xfrm>
+            <a:off x="5269832" y="553453"/>
+            <a:ext cx="1082842" cy="324852"/>
+          </a:xfrm>
+          <a:prstGeom prst="rect">
+            <a:avLst/>
+          </a:prstGeom>
+        </p:spPr>
+        <p:style>
+          <a:lnRef idx="2">
+            <a:schemeClr val="accent1">
+              <a:shade val="50000"/>
+            </a:schemeClr>
+          </a:lnRef>
+          <a:fillRef idx="1">
+            <a:schemeClr val="accent1"/>
+          </a:fillRef>
+          <a:effectRef idx="0">
+            <a:schemeClr val="accent1"/>
+          </a:effectRef>
+          <a:fontRef idx="minor">
+            <a:schemeClr val="lt1"/>
+          </a:fontRef>
+        </p:style>
+        <p:txBody>
+          <a:bodyPr rtlCol="0" anchor="ctr"/>
+          <a:lstStyle/>
+          <a:p>
+            <a:pPr algn="ctr"/>
+            <a:r>
+              <a:rPr lang="es-MX" dirty="0" smtClean="0"/>
+              <a:t>Eliminar</a:t>
+            </a:r>
+            <a:endParaRPr lang="es-MX" dirty="0"/>
+          </a:p>
+        </p:txBody>
+      </p:sp>
+    </p:spTree>
+    <p:extLst>
+      <p:ext uri="{BB962C8B-B14F-4D97-AF65-F5344CB8AC3E}">
+        <p14:creationId xmlns:p14="http://schemas.microsoft.com/office/powerpoint/2010/main" val="3345545717"/>
       </p:ext>
     </p:extLst>
   </p:cSld>
@@ -3031,114 +3882,38 @@
       </p:grpSpPr>
       <p:pic>
         <p:nvPicPr>
-          <p:cNvPr id="4" name="Imagen 3"/>
+          <p:cNvPr id="2" name="Imagen 1"/>
           <p:cNvPicPr>
             <a:picLocks noChangeAspect="1"/>
           </p:cNvPicPr>
           <p:nvPr/>
         </p:nvPicPr>
         <p:blipFill>
-          <a:blip r:embed="rId2"/>
+          <a:blip r:embed="rId2">
+            <a:extLst>
+              <a:ext uri="{28A0092B-C50C-407E-A947-70E740481C1C}">
+                <a14:useLocalDpi xmlns:a14="http://schemas.microsoft.com/office/drawing/2010/main" val="0"/>
+              </a:ext>
+            </a:extLst>
+          </a:blip>
           <a:stretch>
             <a:fillRect/>
           </a:stretch>
         </p:blipFill>
         <p:spPr>
           <a:xfrm>
-            <a:off x="683258" y="662922"/>
-            <a:ext cx="9817124" cy="4323604"/>
+            <a:off x="0" y="266012"/>
+            <a:ext cx="12192000" cy="6325975"/>
           </a:xfrm>
           <a:prstGeom prst="rect">
             <a:avLst/>
           </a:prstGeom>
         </p:spPr>
       </p:pic>
-      <p:cxnSp>
-        <p:nvCxnSpPr>
-          <p:cNvPr id="6" name="Conector recto de flecha 5"/>
-          <p:cNvCxnSpPr/>
-          <p:nvPr/>
-        </p:nvCxnSpPr>
-        <p:spPr>
-          <a:xfrm flipH="1">
-            <a:off x="1852864" y="288757"/>
-            <a:ext cx="2755232" cy="2081464"/>
-          </a:xfrm>
-          <a:prstGeom prst="straightConnector1">
-            <a:avLst/>
-          </a:prstGeom>
-          <a:ln>
-            <a:solidFill>
-              <a:schemeClr val="accent5">
-                <a:lumMod val="50000"/>
-              </a:schemeClr>
-            </a:solidFill>
-            <a:tailEnd type="triangle"/>
-          </a:ln>
-        </p:spPr>
-        <p:style>
-          <a:lnRef idx="1">
-            <a:schemeClr val="accent1"/>
-          </a:lnRef>
-          <a:fillRef idx="0">
-            <a:schemeClr val="accent1"/>
-          </a:fillRef>
-          <a:effectRef idx="0">
-            <a:schemeClr val="accent1"/>
-          </a:effectRef>
-          <a:fontRef idx="minor">
-            <a:schemeClr val="tx1"/>
-          </a:fontRef>
-        </p:style>
-      </p:cxnSp>
-      <p:sp>
-        <p:nvSpPr>
-          <p:cNvPr id="7" name="Rectángulo 6"/>
-          <p:cNvSpPr/>
-          <p:nvPr/>
-        </p:nvSpPr>
-        <p:spPr>
-          <a:xfrm>
-            <a:off x="4692317" y="84221"/>
-            <a:ext cx="1082842" cy="324852"/>
-          </a:xfrm>
-          <a:prstGeom prst="rect">
-            <a:avLst/>
-          </a:prstGeom>
-        </p:spPr>
-        <p:style>
-          <a:lnRef idx="2">
-            <a:schemeClr val="accent1">
-              <a:shade val="50000"/>
-            </a:schemeClr>
-          </a:lnRef>
-          <a:fillRef idx="1">
-            <a:schemeClr val="accent1"/>
-          </a:fillRef>
-          <a:effectRef idx="0">
-            <a:schemeClr val="accent1"/>
-          </a:effectRef>
-          <a:fontRef idx="minor">
-            <a:schemeClr val="lt1"/>
-          </a:fontRef>
-        </p:style>
-        <p:txBody>
-          <a:bodyPr rtlCol="0" anchor="ctr"/>
-          <a:lstStyle/>
-          <a:p>
-            <a:pPr algn="ctr"/>
-            <a:r>
-              <a:rPr lang="es-MX" dirty="0" smtClean="0"/>
-              <a:t>Editar</a:t>
-            </a:r>
-            <a:endParaRPr lang="es-MX" dirty="0"/>
-          </a:p>
-        </p:txBody>
-      </p:sp>
     </p:spTree>
     <p:extLst>
       <p:ext uri="{BB962C8B-B14F-4D97-AF65-F5344CB8AC3E}">
-        <p14:creationId xmlns:p14="http://schemas.microsoft.com/office/powerpoint/2010/main" val="1116087165"/>
+        <p14:creationId xmlns:p14="http://schemas.microsoft.com/office/powerpoint/2010/main" val="3813381798"/>
       </p:ext>
     </p:extLst>
   </p:cSld>
@@ -3181,199 +3956,31 @@
           <p:nvPr/>
         </p:nvPicPr>
         <p:blipFill>
-          <a:blip r:embed="rId2"/>
+          <a:blip r:embed="rId2">
+            <a:extLst>
+              <a:ext uri="{28A0092B-C50C-407E-A947-70E740481C1C}">
+                <a14:useLocalDpi xmlns:a14="http://schemas.microsoft.com/office/drawing/2010/main" val="0"/>
+              </a:ext>
+            </a:extLst>
+          </a:blip>
           <a:stretch>
             <a:fillRect/>
           </a:stretch>
         </p:blipFill>
         <p:spPr>
           <a:xfrm>
-            <a:off x="816469" y="675924"/>
-            <a:ext cx="10150549" cy="4763470"/>
+            <a:off x="0" y="262976"/>
+            <a:ext cx="12192000" cy="6332047"/>
           </a:xfrm>
           <a:prstGeom prst="rect">
             <a:avLst/>
           </a:prstGeom>
         </p:spPr>
       </p:pic>
-      <p:sp>
-        <p:nvSpPr>
-          <p:cNvPr id="4" name="Rectángulo 3"/>
-          <p:cNvSpPr/>
-          <p:nvPr/>
-        </p:nvSpPr>
-        <p:spPr>
-          <a:xfrm>
-            <a:off x="5978299" y="1179095"/>
-            <a:ext cx="1773583" cy="324852"/>
-          </a:xfrm>
-          <a:prstGeom prst="rect">
-            <a:avLst/>
-          </a:prstGeom>
-        </p:spPr>
-        <p:style>
-          <a:lnRef idx="2">
-            <a:schemeClr val="accent1">
-              <a:shade val="50000"/>
-            </a:schemeClr>
-          </a:lnRef>
-          <a:fillRef idx="1">
-            <a:schemeClr val="accent1"/>
-          </a:fillRef>
-          <a:effectRef idx="0">
-            <a:schemeClr val="accent1"/>
-          </a:effectRef>
-          <a:fontRef idx="minor">
-            <a:schemeClr val="lt1"/>
-          </a:fontRef>
-        </p:style>
-        <p:txBody>
-          <a:bodyPr rtlCol="0" anchor="ctr"/>
-          <a:lstStyle/>
-          <a:p>
-            <a:pPr algn="ctr"/>
-            <a:r>
-              <a:rPr lang="es-MX" dirty="0" smtClean="0"/>
-              <a:t>Editar Campos</a:t>
-            </a:r>
-            <a:endParaRPr lang="es-MX" dirty="0"/>
-          </a:p>
-        </p:txBody>
-      </p:sp>
-      <p:sp>
-        <p:nvSpPr>
-          <p:cNvPr id="5" name="Abrir llave 4"/>
-          <p:cNvSpPr/>
-          <p:nvPr/>
-        </p:nvSpPr>
-        <p:spPr>
-          <a:xfrm rot="5400000">
-            <a:off x="6537770" y="-1944491"/>
-            <a:ext cx="654643" cy="7950720"/>
-          </a:xfrm>
-          <a:prstGeom prst="leftBrace">
-            <a:avLst>
-              <a:gd name="adj1" fmla="val 8333"/>
-              <a:gd name="adj2" fmla="val 49845"/>
-            </a:avLst>
-          </a:prstGeom>
-          <a:ln>
-            <a:solidFill>
-              <a:schemeClr val="accent5">
-                <a:lumMod val="50000"/>
-              </a:schemeClr>
-            </a:solidFill>
-          </a:ln>
-        </p:spPr>
-        <p:style>
-          <a:lnRef idx="1">
-            <a:schemeClr val="accent1"/>
-          </a:lnRef>
-          <a:fillRef idx="0">
-            <a:schemeClr val="accent1"/>
-          </a:fillRef>
-          <a:effectRef idx="0">
-            <a:schemeClr val="accent1"/>
-          </a:effectRef>
-          <a:fontRef idx="minor">
-            <a:schemeClr val="tx1"/>
-          </a:fontRef>
-        </p:style>
-        <p:txBody>
-          <a:bodyPr rtlCol="0" anchor="ctr"/>
-          <a:lstStyle/>
-          <a:p>
-            <a:pPr algn="ctr"/>
-            <a:endParaRPr lang="es-MX"/>
-          </a:p>
-        </p:txBody>
-      </p:sp>
-      <p:sp>
-        <p:nvSpPr>
-          <p:cNvPr id="6" name="Rectángulo 5"/>
-          <p:cNvSpPr/>
-          <p:nvPr/>
-        </p:nvSpPr>
-        <p:spPr>
-          <a:xfrm>
-            <a:off x="3621504" y="5638994"/>
-            <a:ext cx="1347537" cy="324852"/>
-          </a:xfrm>
-          <a:prstGeom prst="rect">
-            <a:avLst/>
-          </a:prstGeom>
-        </p:spPr>
-        <p:style>
-          <a:lnRef idx="2">
-            <a:schemeClr val="accent1">
-              <a:shade val="50000"/>
-            </a:schemeClr>
-          </a:lnRef>
-          <a:fillRef idx="1">
-            <a:schemeClr val="accent1"/>
-          </a:fillRef>
-          <a:effectRef idx="0">
-            <a:schemeClr val="accent1"/>
-          </a:effectRef>
-          <a:fontRef idx="minor">
-            <a:schemeClr val="lt1"/>
-          </a:fontRef>
-        </p:style>
-        <p:txBody>
-          <a:bodyPr rtlCol="0" anchor="ctr"/>
-          <a:lstStyle/>
-          <a:p>
-            <a:pPr algn="ctr"/>
-            <a:r>
-              <a:rPr lang="es-MX" dirty="0" smtClean="0"/>
-              <a:t>Paginación</a:t>
-            </a:r>
-            <a:endParaRPr lang="es-MX" dirty="0"/>
-          </a:p>
-        </p:txBody>
-      </p:sp>
-      <p:cxnSp>
-        <p:nvCxnSpPr>
-          <p:cNvPr id="7" name="Conector recto de flecha 6"/>
-          <p:cNvCxnSpPr/>
-          <p:nvPr/>
-        </p:nvCxnSpPr>
-        <p:spPr>
-          <a:xfrm flipH="1" flipV="1">
-            <a:off x="1624264" y="5342021"/>
-            <a:ext cx="1900989" cy="445168"/>
-          </a:xfrm>
-          <a:prstGeom prst="straightConnector1">
-            <a:avLst/>
-          </a:prstGeom>
-          <a:ln>
-            <a:solidFill>
-              <a:schemeClr val="accent5">
-                <a:lumMod val="50000"/>
-              </a:schemeClr>
-            </a:solidFill>
-            <a:tailEnd type="triangle"/>
-          </a:ln>
-        </p:spPr>
-        <p:style>
-          <a:lnRef idx="1">
-            <a:schemeClr val="accent1"/>
-          </a:lnRef>
-          <a:fillRef idx="0">
-            <a:schemeClr val="accent1"/>
-          </a:fillRef>
-          <a:effectRef idx="0">
-            <a:schemeClr val="accent1"/>
-          </a:effectRef>
-          <a:fontRef idx="minor">
-            <a:schemeClr val="tx1"/>
-          </a:fontRef>
-        </p:style>
-      </p:cxnSp>
     </p:spTree>
     <p:extLst>
       <p:ext uri="{BB962C8B-B14F-4D97-AF65-F5344CB8AC3E}">
-        <p14:creationId xmlns:p14="http://schemas.microsoft.com/office/powerpoint/2010/main" val="957321005"/>
+        <p14:creationId xmlns:p14="http://schemas.microsoft.com/office/powerpoint/2010/main" val="3365949945"/>
       </p:ext>
     </p:extLst>
   </p:cSld>
@@ -3416,145 +4023,31 @@
           <p:nvPr/>
         </p:nvPicPr>
         <p:blipFill>
-          <a:blip r:embed="rId2"/>
+          <a:blip r:embed="rId2">
+            <a:extLst>
+              <a:ext uri="{28A0092B-C50C-407E-A947-70E740481C1C}">
+                <a14:useLocalDpi xmlns:a14="http://schemas.microsoft.com/office/drawing/2010/main" val="0"/>
+              </a:ext>
+            </a:extLst>
+          </a:blip>
           <a:stretch>
             <a:fillRect/>
           </a:stretch>
         </p:blipFill>
         <p:spPr>
           <a:xfrm>
-            <a:off x="866775" y="952500"/>
-            <a:ext cx="10458450" cy="4953000"/>
+            <a:off x="0" y="511376"/>
+            <a:ext cx="12192000" cy="5835247"/>
           </a:xfrm>
           <a:prstGeom prst="rect">
             <a:avLst/>
           </a:prstGeom>
         </p:spPr>
       </p:pic>
-      <p:cxnSp>
-        <p:nvCxnSpPr>
-          <p:cNvPr id="3" name="Conector recto de flecha 2"/>
-          <p:cNvCxnSpPr/>
-          <p:nvPr/>
-        </p:nvCxnSpPr>
-        <p:spPr>
-          <a:xfrm flipH="1">
-            <a:off x="1913021" y="685800"/>
-            <a:ext cx="2755232" cy="2081464"/>
-          </a:xfrm>
-          <a:prstGeom prst="straightConnector1">
-            <a:avLst/>
-          </a:prstGeom>
-          <a:ln>
-            <a:solidFill>
-              <a:schemeClr val="accent5">
-                <a:lumMod val="50000"/>
-              </a:schemeClr>
-            </a:solidFill>
-            <a:tailEnd type="triangle"/>
-          </a:ln>
-        </p:spPr>
-        <p:style>
-          <a:lnRef idx="1">
-            <a:schemeClr val="accent1"/>
-          </a:lnRef>
-          <a:fillRef idx="0">
-            <a:schemeClr val="accent1"/>
-          </a:fillRef>
-          <a:effectRef idx="0">
-            <a:schemeClr val="accent1"/>
-          </a:effectRef>
-          <a:fontRef idx="minor">
-            <a:schemeClr val="tx1"/>
-          </a:fontRef>
-        </p:style>
-      </p:cxnSp>
-      <p:sp>
-        <p:nvSpPr>
-          <p:cNvPr id="4" name="Rectángulo 3"/>
-          <p:cNvSpPr/>
-          <p:nvPr/>
-        </p:nvSpPr>
-        <p:spPr>
-          <a:xfrm>
-            <a:off x="4752474" y="481264"/>
-            <a:ext cx="1082842" cy="324852"/>
-          </a:xfrm>
-          <a:prstGeom prst="rect">
-            <a:avLst/>
-          </a:prstGeom>
-        </p:spPr>
-        <p:style>
-          <a:lnRef idx="2">
-            <a:schemeClr val="accent1">
-              <a:shade val="50000"/>
-            </a:schemeClr>
-          </a:lnRef>
-          <a:fillRef idx="1">
-            <a:schemeClr val="accent1"/>
-          </a:fillRef>
-          <a:effectRef idx="0">
-            <a:schemeClr val="accent1"/>
-          </a:effectRef>
-          <a:fontRef idx="minor">
-            <a:schemeClr val="lt1"/>
-          </a:fontRef>
-        </p:style>
-        <p:txBody>
-          <a:bodyPr rtlCol="0" anchor="ctr"/>
-          <a:lstStyle/>
-          <a:p>
-            <a:pPr algn="ctr"/>
-            <a:r>
-              <a:rPr lang="es-MX" dirty="0" smtClean="0"/>
-              <a:t>Grabar</a:t>
-            </a:r>
-            <a:endParaRPr lang="es-MX" dirty="0"/>
-          </a:p>
-        </p:txBody>
-      </p:sp>
-      <p:cxnSp>
-        <p:nvCxnSpPr>
-          <p:cNvPr id="5" name="Conector recto de flecha 4"/>
-          <p:cNvCxnSpPr/>
-          <p:nvPr/>
-        </p:nvCxnSpPr>
-        <p:spPr>
-          <a:xfrm>
-            <a:off x="5919537" y="685800"/>
-            <a:ext cx="3140242" cy="529389"/>
-          </a:xfrm>
-          <a:prstGeom prst="straightConnector1">
-            <a:avLst/>
-          </a:prstGeom>
-          <a:ln>
-            <a:solidFill>
-              <a:schemeClr val="accent5">
-                <a:lumMod val="50000"/>
-              </a:schemeClr>
-            </a:solidFill>
-            <a:tailEnd type="triangle"/>
-          </a:ln>
-        </p:spPr>
-        <p:style>
-          <a:lnRef idx="1">
-            <a:schemeClr val="accent1"/>
-          </a:lnRef>
-          <a:fillRef idx="0">
-            <a:schemeClr val="accent1"/>
-          </a:fillRef>
-          <a:effectRef idx="0">
-            <a:schemeClr val="accent1"/>
-          </a:effectRef>
-          <a:fontRef idx="minor">
-            <a:schemeClr val="tx1"/>
-          </a:fontRef>
-        </p:style>
-      </p:cxnSp>
     </p:spTree>
     <p:extLst>
       <p:ext uri="{BB962C8B-B14F-4D97-AF65-F5344CB8AC3E}">
-        <p14:creationId xmlns:p14="http://schemas.microsoft.com/office/powerpoint/2010/main" val="3940659129"/>
+        <p14:creationId xmlns:p14="http://schemas.microsoft.com/office/powerpoint/2010/main" val="219302672"/>
       </p:ext>
     </p:extLst>
   </p:cSld>
@@ -3597,107 +4090,299 @@
           <p:nvPr/>
         </p:nvPicPr>
         <p:blipFill>
-          <a:blip r:embed="rId2"/>
+          <a:blip r:embed="rId2">
+            <a:extLst>
+              <a:ext uri="{28A0092B-C50C-407E-A947-70E740481C1C}">
+                <a14:useLocalDpi xmlns:a14="http://schemas.microsoft.com/office/drawing/2010/main" val="0"/>
+              </a:ext>
+            </a:extLst>
+          </a:blip>
           <a:stretch>
             <a:fillRect/>
           </a:stretch>
         </p:blipFill>
         <p:spPr>
           <a:xfrm>
-            <a:off x="881313" y="1007394"/>
-            <a:ext cx="10477500" cy="4867275"/>
+            <a:off x="0" y="621869"/>
+            <a:ext cx="12192000" cy="5614261"/>
           </a:xfrm>
           <a:prstGeom prst="rect">
             <a:avLst/>
           </a:prstGeom>
         </p:spPr>
       </p:pic>
-      <p:cxnSp>
-        <p:nvCxnSpPr>
-          <p:cNvPr id="4" name="Conector recto de flecha 3"/>
-          <p:cNvCxnSpPr/>
+    </p:spTree>
+    <p:extLst>
+      <p:ext uri="{BB962C8B-B14F-4D97-AF65-F5344CB8AC3E}">
+        <p14:creationId xmlns:p14="http://schemas.microsoft.com/office/powerpoint/2010/main" val="3247622918"/>
+      </p:ext>
+    </p:extLst>
+  </p:cSld>
+  <p:clrMapOvr>
+    <a:masterClrMapping/>
+  </p:clrMapOvr>
+  <p:timing>
+    <p:tnLst>
+      <p:par>
+        <p:cTn id="1" dur="indefinite" restart="never" nodeType="tmRoot"/>
+      </p:par>
+    </p:tnLst>
+  </p:timing>
+</p:sld>
+</file>
+
+<file path=ppt/slides/slide6.xml><?xml version="1.0" encoding="utf-8"?>
+<p:sld xmlns:a="http://schemas.openxmlformats.org/drawingml/2006/main" xmlns:r="http://schemas.openxmlformats.org/officeDocument/2006/relationships" xmlns:p="http://schemas.openxmlformats.org/presentationml/2006/main">
+  <p:cSld>
+    <p:spTree>
+      <p:nvGrpSpPr>
+        <p:cNvPr id="1" name=""/>
+        <p:cNvGrpSpPr/>
+        <p:nvPr/>
+      </p:nvGrpSpPr>
+      <p:grpSpPr>
+        <a:xfrm>
+          <a:off x="0" y="0"/>
+          <a:ext cx="0" cy="0"/>
+          <a:chOff x="0" y="0"/>
+          <a:chExt cx="0" cy="0"/>
+        </a:xfrm>
+      </p:grpSpPr>
+      <p:pic>
+        <p:nvPicPr>
+          <p:cNvPr id="2" name="Imagen 1"/>
+          <p:cNvPicPr>
+            <a:picLocks noChangeAspect="1"/>
+          </p:cNvPicPr>
           <p:nvPr/>
-        </p:nvCxnSpPr>
-        <p:spPr>
-          <a:xfrm flipH="1">
-            <a:off x="2430379" y="757989"/>
-            <a:ext cx="2755232" cy="2081464"/>
-          </a:xfrm>
-          <a:prstGeom prst="straightConnector1">
-            <a:avLst/>
-          </a:prstGeom>
-          <a:ln>
-            <a:solidFill>
-              <a:schemeClr val="accent5">
-                <a:lumMod val="50000"/>
-              </a:schemeClr>
-            </a:solidFill>
-            <a:tailEnd type="triangle"/>
-          </a:ln>
-        </p:spPr>
-        <p:style>
-          <a:lnRef idx="1">
-            <a:schemeClr val="accent1"/>
-          </a:lnRef>
-          <a:fillRef idx="0">
-            <a:schemeClr val="accent1"/>
-          </a:fillRef>
-          <a:effectRef idx="0">
-            <a:schemeClr val="accent1"/>
-          </a:effectRef>
-          <a:fontRef idx="minor">
-            <a:schemeClr val="tx1"/>
-          </a:fontRef>
-        </p:style>
-      </p:cxnSp>
-      <p:sp>
-        <p:nvSpPr>
-          <p:cNvPr id="5" name="Rectángulo 4"/>
-          <p:cNvSpPr/>
-          <p:nvPr/>
-        </p:nvSpPr>
+        </p:nvPicPr>
+        <p:blipFill>
+          <a:blip r:embed="rId2">
+            <a:extLst>
+              <a:ext uri="{28A0092B-C50C-407E-A947-70E740481C1C}">
+                <a14:useLocalDpi xmlns:a14="http://schemas.microsoft.com/office/drawing/2010/main" val="0"/>
+              </a:ext>
+            </a:extLst>
+          </a:blip>
+          <a:stretch>
+            <a:fillRect/>
+          </a:stretch>
+        </p:blipFill>
         <p:spPr>
           <a:xfrm>
-            <a:off x="5269832" y="553453"/>
-            <a:ext cx="1082842" cy="324852"/>
+            <a:off x="304298" y="586493"/>
+            <a:ext cx="11583404" cy="5685013"/>
           </a:xfrm>
           <a:prstGeom prst="rect">
             <a:avLst/>
           </a:prstGeom>
         </p:spPr>
-        <p:style>
-          <a:lnRef idx="2">
-            <a:schemeClr val="accent1">
-              <a:shade val="50000"/>
-            </a:schemeClr>
-          </a:lnRef>
-          <a:fillRef idx="1">
-            <a:schemeClr val="accent1"/>
-          </a:fillRef>
-          <a:effectRef idx="0">
-            <a:schemeClr val="accent1"/>
-          </a:effectRef>
-          <a:fontRef idx="minor">
-            <a:schemeClr val="lt1"/>
-          </a:fontRef>
-        </p:style>
-        <p:txBody>
-          <a:bodyPr rtlCol="0" anchor="ctr"/>
-          <a:lstStyle/>
-          <a:p>
-            <a:pPr algn="ctr"/>
-            <a:r>
-              <a:rPr lang="es-MX" dirty="0" smtClean="0"/>
-              <a:t>Eliminar</a:t>
-            </a:r>
-            <a:endParaRPr lang="es-MX" dirty="0"/>
-          </a:p>
-        </p:txBody>
-      </p:sp>
+      </p:pic>
     </p:spTree>
     <p:extLst>
       <p:ext uri="{BB962C8B-B14F-4D97-AF65-F5344CB8AC3E}">
-        <p14:creationId xmlns:p14="http://schemas.microsoft.com/office/powerpoint/2010/main" val="3345545717"/>
+        <p14:creationId xmlns:p14="http://schemas.microsoft.com/office/powerpoint/2010/main" val="1083328781"/>
+      </p:ext>
+    </p:extLst>
+  </p:cSld>
+  <p:clrMapOvr>
+    <a:masterClrMapping/>
+  </p:clrMapOvr>
+  <p:timing>
+    <p:tnLst>
+      <p:par>
+        <p:cTn id="1" dur="indefinite" restart="never" nodeType="tmRoot"/>
+      </p:par>
+    </p:tnLst>
+  </p:timing>
+</p:sld>
+</file>
+
+<file path=ppt/slides/slide7.xml><?xml version="1.0" encoding="utf-8"?>
+<p:sld xmlns:a="http://schemas.openxmlformats.org/drawingml/2006/main" xmlns:r="http://schemas.openxmlformats.org/officeDocument/2006/relationships" xmlns:p="http://schemas.openxmlformats.org/presentationml/2006/main">
+  <p:cSld>
+    <p:spTree>
+      <p:nvGrpSpPr>
+        <p:cNvPr id="1" name=""/>
+        <p:cNvGrpSpPr/>
+        <p:nvPr/>
+      </p:nvGrpSpPr>
+      <p:grpSpPr>
+        <a:xfrm>
+          <a:off x="0" y="0"/>
+          <a:ext cx="0" cy="0"/>
+          <a:chOff x="0" y="0"/>
+          <a:chExt cx="0" cy="0"/>
+        </a:xfrm>
+      </p:grpSpPr>
+      <p:pic>
+        <p:nvPicPr>
+          <p:cNvPr id="2" name="Imagen 1"/>
+          <p:cNvPicPr>
+            <a:picLocks noChangeAspect="1"/>
+          </p:cNvPicPr>
+          <p:nvPr/>
+        </p:nvPicPr>
+        <p:blipFill>
+          <a:blip r:embed="rId2">
+            <a:extLst>
+              <a:ext uri="{28A0092B-C50C-407E-A947-70E740481C1C}">
+                <a14:useLocalDpi xmlns:a14="http://schemas.microsoft.com/office/drawing/2010/main" val="0"/>
+              </a:ext>
+            </a:extLst>
+          </a:blip>
+          <a:stretch>
+            <a:fillRect/>
+          </a:stretch>
+        </p:blipFill>
+        <p:spPr>
+          <a:xfrm>
+            <a:off x="2594306" y="1607662"/>
+            <a:ext cx="7003387" cy="3642676"/>
+          </a:xfrm>
+          <a:prstGeom prst="rect">
+            <a:avLst/>
+          </a:prstGeom>
+        </p:spPr>
+      </p:pic>
+    </p:spTree>
+    <p:extLst>
+      <p:ext uri="{BB962C8B-B14F-4D97-AF65-F5344CB8AC3E}">
+        <p14:creationId xmlns:p14="http://schemas.microsoft.com/office/powerpoint/2010/main" val="2738732535"/>
+      </p:ext>
+    </p:extLst>
+  </p:cSld>
+  <p:clrMapOvr>
+    <a:masterClrMapping/>
+  </p:clrMapOvr>
+  <p:timing>
+    <p:tnLst>
+      <p:par>
+        <p:cTn id="1" dur="indefinite" restart="never" nodeType="tmRoot"/>
+      </p:par>
+    </p:tnLst>
+  </p:timing>
+</p:sld>
+</file>
+
+<file path=ppt/slides/slide8.xml><?xml version="1.0" encoding="utf-8"?>
+<p:sld xmlns:a="http://schemas.openxmlformats.org/drawingml/2006/main" xmlns:r="http://schemas.openxmlformats.org/officeDocument/2006/relationships" xmlns:p="http://schemas.openxmlformats.org/presentationml/2006/main">
+  <p:cSld>
+    <p:spTree>
+      <p:nvGrpSpPr>
+        <p:cNvPr id="1" name=""/>
+        <p:cNvGrpSpPr/>
+        <p:nvPr/>
+      </p:nvGrpSpPr>
+      <p:grpSpPr>
+        <a:xfrm>
+          <a:off x="0" y="0"/>
+          <a:ext cx="0" cy="0"/>
+          <a:chOff x="0" y="0"/>
+          <a:chExt cx="0" cy="0"/>
+        </a:xfrm>
+      </p:grpSpPr>
+      <p:pic>
+        <p:nvPicPr>
+          <p:cNvPr id="2" name="Imagen 1"/>
+          <p:cNvPicPr>
+            <a:picLocks noChangeAspect="1"/>
+          </p:cNvPicPr>
+          <p:nvPr/>
+        </p:nvPicPr>
+        <p:blipFill>
+          <a:blip r:embed="rId2">
+            <a:extLst>
+              <a:ext uri="{28A0092B-C50C-407E-A947-70E740481C1C}">
+                <a14:useLocalDpi xmlns:a14="http://schemas.microsoft.com/office/drawing/2010/main" val="0"/>
+              </a:ext>
+            </a:extLst>
+          </a:blip>
+          <a:stretch>
+            <a:fillRect/>
+          </a:stretch>
+        </p:blipFill>
+        <p:spPr>
+          <a:xfrm>
+            <a:off x="0" y="255689"/>
+            <a:ext cx="12192000" cy="6346622"/>
+          </a:xfrm>
+          <a:prstGeom prst="rect">
+            <a:avLst/>
+          </a:prstGeom>
+        </p:spPr>
+      </p:pic>
+    </p:spTree>
+    <p:extLst>
+      <p:ext uri="{BB962C8B-B14F-4D97-AF65-F5344CB8AC3E}">
+        <p14:creationId xmlns:p14="http://schemas.microsoft.com/office/powerpoint/2010/main" val="2844162866"/>
+      </p:ext>
+    </p:extLst>
+  </p:cSld>
+  <p:clrMapOvr>
+    <a:masterClrMapping/>
+  </p:clrMapOvr>
+  <p:timing>
+    <p:tnLst>
+      <p:par>
+        <p:cTn id="1" dur="indefinite" restart="never" nodeType="tmRoot"/>
+      </p:par>
+    </p:tnLst>
+  </p:timing>
+</p:sld>
+</file>
+
+<file path=ppt/slides/slide9.xml><?xml version="1.0" encoding="utf-8"?>
+<p:sld xmlns:a="http://schemas.openxmlformats.org/drawingml/2006/main" xmlns:r="http://schemas.openxmlformats.org/officeDocument/2006/relationships" xmlns:p="http://schemas.openxmlformats.org/presentationml/2006/main">
+  <p:cSld>
+    <p:spTree>
+      <p:nvGrpSpPr>
+        <p:cNvPr id="1" name=""/>
+        <p:cNvGrpSpPr/>
+        <p:nvPr/>
+      </p:nvGrpSpPr>
+      <p:grpSpPr>
+        <a:xfrm>
+          <a:off x="0" y="0"/>
+          <a:ext cx="0" cy="0"/>
+          <a:chOff x="0" y="0"/>
+          <a:chExt cx="0" cy="0"/>
+        </a:xfrm>
+      </p:grpSpPr>
+      <p:pic>
+        <p:nvPicPr>
+          <p:cNvPr id="2" name="Imagen 1"/>
+          <p:cNvPicPr>
+            <a:picLocks noChangeAspect="1"/>
+          </p:cNvPicPr>
+          <p:nvPr/>
+        </p:nvPicPr>
+        <p:blipFill>
+          <a:blip r:embed="rId2">
+            <a:extLst>
+              <a:ext uri="{28A0092B-C50C-407E-A947-70E740481C1C}">
+                <a14:useLocalDpi xmlns:a14="http://schemas.microsoft.com/office/drawing/2010/main" val="0"/>
+              </a:ext>
+            </a:extLst>
+          </a:blip>
+          <a:stretch>
+            <a:fillRect/>
+          </a:stretch>
+        </p:blipFill>
+        <p:spPr>
+          <a:xfrm>
+            <a:off x="609124" y="578873"/>
+            <a:ext cx="10973751" cy="5700254"/>
+          </a:xfrm>
+          <a:prstGeom prst="rect">
+            <a:avLst/>
+          </a:prstGeom>
+        </p:spPr>
+      </p:pic>
+    </p:spTree>
+    <p:extLst>
+      <p:ext uri="{BB962C8B-B14F-4D97-AF65-F5344CB8AC3E}">
+        <p14:creationId xmlns:p14="http://schemas.microsoft.com/office/powerpoint/2010/main" val="591813123"/>
       </p:ext>
     </p:extLst>
   </p:cSld>

--- a/DB/Presentación1.pptx
+++ b/DB/Presentación1.pptx
@@ -2985,7 +2985,7 @@
       </p:grpSpPr>
       <p:pic>
         <p:nvPicPr>
-          <p:cNvPr id="2" name="Imagen 1"/>
+          <p:cNvPr id="3" name="Imagen 2"/>
           <p:cNvPicPr>
             <a:picLocks noChangeAspect="1"/>
           </p:cNvPicPr>
@@ -3005,8 +3005,8 @@
         </p:blipFill>
         <p:spPr>
           <a:xfrm>
-            <a:off x="0" y="201906"/>
-            <a:ext cx="12192000" cy="6454187"/>
+            <a:off x="0" y="312449"/>
+            <a:ext cx="12192000" cy="6233101"/>
           </a:xfrm>
           <a:prstGeom prst="rect">
             <a:avLst/>
@@ -4243,8 +4243,59 @@
           <a:prstGeom prst="rect">
             <a:avLst/>
           </a:prstGeom>
+          <a:effectLst>
+            <a:outerShdw blurRad="50800" dist="38100" dir="10800000" algn="r" rotWithShape="0">
+              <a:prstClr val="black">
+                <a:alpha val="40000"/>
+              </a:prstClr>
+            </a:outerShdw>
+          </a:effectLst>
         </p:spPr>
       </p:pic>
+      <p:sp>
+        <p:nvSpPr>
+          <p:cNvPr id="4" name="Rectángulo 3"/>
+          <p:cNvSpPr/>
+          <p:nvPr/>
+        </p:nvSpPr>
+        <p:spPr>
+          <a:xfrm>
+            <a:off x="0" y="0"/>
+            <a:ext cx="6709893" cy="566671"/>
+          </a:xfrm>
+          <a:prstGeom prst="rect">
+            <a:avLst/>
+          </a:prstGeom>
+        </p:spPr>
+        <p:style>
+          <a:lnRef idx="2">
+            <a:schemeClr val="accent1">
+              <a:shade val="50000"/>
+            </a:schemeClr>
+          </a:lnRef>
+          <a:fillRef idx="1">
+            <a:schemeClr val="accent1"/>
+          </a:fillRef>
+          <a:effectRef idx="0">
+            <a:schemeClr val="accent1"/>
+          </a:effectRef>
+          <a:fontRef idx="minor">
+            <a:schemeClr val="lt1"/>
+          </a:fontRef>
+        </p:style>
+        <p:txBody>
+          <a:bodyPr rtlCol="0" anchor="ctr"/>
+          <a:lstStyle/>
+          <a:p>
+            <a:pPr algn="ctr"/>
+            <a:r>
+              <a:rPr lang="es-MX" dirty="0" smtClean="0"/>
+              <a:t>Llega correo con los pasos a seguir para restablecer contraseña</a:t>
+            </a:r>
+            <a:endParaRPr lang="es-MX" dirty="0"/>
+          </a:p>
+        </p:txBody>
+      </p:sp>
     </p:spTree>
     <p:extLst>
       <p:ext uri="{BB962C8B-B14F-4D97-AF65-F5344CB8AC3E}">

--- a/DB/Presentación1.pptx
+++ b/DB/Presentación1.pptx
@@ -5,11 +5,21 @@
     <p:sldMasterId id="2147483648" r:id="rId1"/>
   </p:sldMasterIdLst>
   <p:sldIdLst>
-    <p:sldId id="260" r:id="rId2"/>
-    <p:sldId id="256" r:id="rId3"/>
-    <p:sldId id="257" r:id="rId4"/>
-    <p:sldId id="258" r:id="rId5"/>
-    <p:sldId id="259" r:id="rId6"/>
+    <p:sldId id="261" r:id="rId2"/>
+    <p:sldId id="262" r:id="rId3"/>
+    <p:sldId id="263" r:id="rId4"/>
+    <p:sldId id="264" r:id="rId5"/>
+    <p:sldId id="265" r:id="rId6"/>
+    <p:sldId id="266" r:id="rId7"/>
+    <p:sldId id="267" r:id="rId8"/>
+    <p:sldId id="268" r:id="rId9"/>
+    <p:sldId id="269" r:id="rId10"/>
+    <p:sldId id="270" r:id="rId11"/>
+    <p:sldId id="260" r:id="rId12"/>
+    <p:sldId id="256" r:id="rId13"/>
+    <p:sldId id="257" r:id="rId14"/>
+    <p:sldId id="258" r:id="rId15"/>
+    <p:sldId id="259" r:id="rId16"/>
   </p:sldIdLst>
   <p:sldSz cx="12192000" cy="6858000"/>
   <p:notesSz cx="6858000" cy="9144000"/>
@@ -108,6 +118,11 @@
       </a:defRPr>
     </a:lvl9pPr>
   </p:defaultTextStyle>
+  <p:extLst>
+    <p:ext uri="{EFAFB233-063F-42B5-8137-9DF3F51BA10A}">
+      <p15:sldGuideLst xmlns:p15="http://schemas.microsoft.com/office/powerpoint/2012/main"/>
+    </p:ext>
+  </p:extLst>
 </p:presentation>
 </file>
 
@@ -2970,6 +2985,140 @@
       </p:grpSpPr>
       <p:pic>
         <p:nvPicPr>
+          <p:cNvPr id="3" name="Imagen 2"/>
+          <p:cNvPicPr>
+            <a:picLocks noChangeAspect="1"/>
+          </p:cNvPicPr>
+          <p:nvPr/>
+        </p:nvPicPr>
+        <p:blipFill>
+          <a:blip r:embed="rId2">
+            <a:extLst>
+              <a:ext uri="{28A0092B-C50C-407E-A947-70E740481C1C}">
+                <a14:useLocalDpi xmlns:a14="http://schemas.microsoft.com/office/drawing/2010/main" val="0"/>
+              </a:ext>
+            </a:extLst>
+          </a:blip>
+          <a:stretch>
+            <a:fillRect/>
+          </a:stretch>
+        </p:blipFill>
+        <p:spPr>
+          <a:xfrm>
+            <a:off x="0" y="312449"/>
+            <a:ext cx="12192000" cy="6233101"/>
+          </a:xfrm>
+          <a:prstGeom prst="rect">
+            <a:avLst/>
+          </a:prstGeom>
+        </p:spPr>
+      </p:pic>
+    </p:spTree>
+    <p:extLst>
+      <p:ext uri="{BB962C8B-B14F-4D97-AF65-F5344CB8AC3E}">
+        <p14:creationId xmlns:p14="http://schemas.microsoft.com/office/powerpoint/2010/main" val="3934901136"/>
+      </p:ext>
+    </p:extLst>
+  </p:cSld>
+  <p:clrMapOvr>
+    <a:masterClrMapping/>
+  </p:clrMapOvr>
+  <p:timing>
+    <p:tnLst>
+      <p:par>
+        <p:cTn id="1" dur="indefinite" restart="never" nodeType="tmRoot"/>
+      </p:par>
+    </p:tnLst>
+  </p:timing>
+</p:sld>
+</file>
+
+<file path=ppt/slides/slide10.xml><?xml version="1.0" encoding="utf-8"?>
+<p:sld xmlns:a="http://schemas.openxmlformats.org/drawingml/2006/main" xmlns:r="http://schemas.openxmlformats.org/officeDocument/2006/relationships" xmlns:p="http://schemas.openxmlformats.org/presentationml/2006/main">
+  <p:cSld>
+    <p:spTree>
+      <p:nvGrpSpPr>
+        <p:cNvPr id="1" name=""/>
+        <p:cNvGrpSpPr/>
+        <p:nvPr/>
+      </p:nvGrpSpPr>
+      <p:grpSpPr>
+        <a:xfrm>
+          <a:off x="0" y="0"/>
+          <a:ext cx="0" cy="0"/>
+          <a:chOff x="0" y="0"/>
+          <a:chExt cx="0" cy="0"/>
+        </a:xfrm>
+      </p:grpSpPr>
+      <p:pic>
+        <p:nvPicPr>
+          <p:cNvPr id="2" name="Imagen 1"/>
+          <p:cNvPicPr>
+            <a:picLocks noChangeAspect="1"/>
+          </p:cNvPicPr>
+          <p:nvPr/>
+        </p:nvPicPr>
+        <p:blipFill>
+          <a:blip r:embed="rId2">
+            <a:extLst>
+              <a:ext uri="{28A0092B-C50C-407E-A947-70E740481C1C}">
+                <a14:useLocalDpi xmlns:a14="http://schemas.microsoft.com/office/drawing/2010/main" val="0"/>
+              </a:ext>
+            </a:extLst>
+          </a:blip>
+          <a:stretch>
+            <a:fillRect/>
+          </a:stretch>
+        </p:blipFill>
+        <p:spPr>
+          <a:xfrm>
+            <a:off x="0" y="147408"/>
+            <a:ext cx="12192000" cy="6563184"/>
+          </a:xfrm>
+          <a:prstGeom prst="rect">
+            <a:avLst/>
+          </a:prstGeom>
+        </p:spPr>
+      </p:pic>
+    </p:spTree>
+    <p:extLst>
+      <p:ext uri="{BB962C8B-B14F-4D97-AF65-F5344CB8AC3E}">
+        <p14:creationId xmlns:p14="http://schemas.microsoft.com/office/powerpoint/2010/main" val="388898912"/>
+      </p:ext>
+    </p:extLst>
+  </p:cSld>
+  <p:clrMapOvr>
+    <a:masterClrMapping/>
+  </p:clrMapOvr>
+  <p:timing>
+    <p:tnLst>
+      <p:par>
+        <p:cTn id="1" dur="indefinite" restart="never" nodeType="tmRoot"/>
+      </p:par>
+    </p:tnLst>
+  </p:timing>
+</p:sld>
+</file>
+
+<file path=ppt/slides/slide11.xml><?xml version="1.0" encoding="utf-8"?>
+<p:sld xmlns:a="http://schemas.openxmlformats.org/drawingml/2006/main" xmlns:r="http://schemas.openxmlformats.org/officeDocument/2006/relationships" xmlns:p="http://schemas.openxmlformats.org/presentationml/2006/main">
+  <p:cSld>
+    <p:spTree>
+      <p:nvGrpSpPr>
+        <p:cNvPr id="1" name=""/>
+        <p:cNvGrpSpPr/>
+        <p:nvPr/>
+      </p:nvGrpSpPr>
+      <p:grpSpPr>
+        <a:xfrm>
+          <a:off x="0" y="0"/>
+          <a:ext cx="0" cy="0"/>
+          <a:chOff x="0" y="0"/>
+          <a:chExt cx="0" cy="0"/>
+        </a:xfrm>
+      </p:grpSpPr>
+      <p:pic>
+        <p:nvPicPr>
           <p:cNvPr id="2" name="Imagen 1"/>
           <p:cNvPicPr>
             <a:picLocks noChangeAspect="1"/>
@@ -2996,6 +3145,708 @@
     <p:extLst>
       <p:ext uri="{BB962C8B-B14F-4D97-AF65-F5344CB8AC3E}">
         <p14:creationId xmlns:p14="http://schemas.microsoft.com/office/powerpoint/2010/main" val="2861232732"/>
+      </p:ext>
+    </p:extLst>
+  </p:cSld>
+  <p:clrMapOvr>
+    <a:masterClrMapping/>
+  </p:clrMapOvr>
+  <p:timing>
+    <p:tnLst>
+      <p:par>
+        <p:cTn id="1" dur="indefinite" restart="never" nodeType="tmRoot"/>
+      </p:par>
+    </p:tnLst>
+  </p:timing>
+</p:sld>
+</file>
+
+<file path=ppt/slides/slide12.xml><?xml version="1.0" encoding="utf-8"?>
+<p:sld xmlns:a="http://schemas.openxmlformats.org/drawingml/2006/main" xmlns:r="http://schemas.openxmlformats.org/officeDocument/2006/relationships" xmlns:p="http://schemas.openxmlformats.org/presentationml/2006/main">
+  <p:cSld>
+    <p:spTree>
+      <p:nvGrpSpPr>
+        <p:cNvPr id="1" name=""/>
+        <p:cNvGrpSpPr/>
+        <p:nvPr/>
+      </p:nvGrpSpPr>
+      <p:grpSpPr>
+        <a:xfrm>
+          <a:off x="0" y="0"/>
+          <a:ext cx="0" cy="0"/>
+          <a:chOff x="0" y="0"/>
+          <a:chExt cx="0" cy="0"/>
+        </a:xfrm>
+      </p:grpSpPr>
+      <p:pic>
+        <p:nvPicPr>
+          <p:cNvPr id="4" name="Imagen 3"/>
+          <p:cNvPicPr>
+            <a:picLocks noChangeAspect="1"/>
+          </p:cNvPicPr>
+          <p:nvPr/>
+        </p:nvPicPr>
+        <p:blipFill>
+          <a:blip r:embed="rId2"/>
+          <a:stretch>
+            <a:fillRect/>
+          </a:stretch>
+        </p:blipFill>
+        <p:spPr>
+          <a:xfrm>
+            <a:off x="683258" y="662922"/>
+            <a:ext cx="9817124" cy="4323604"/>
+          </a:xfrm>
+          <a:prstGeom prst="rect">
+            <a:avLst/>
+          </a:prstGeom>
+        </p:spPr>
+      </p:pic>
+      <p:cxnSp>
+        <p:nvCxnSpPr>
+          <p:cNvPr id="6" name="Conector recto de flecha 5"/>
+          <p:cNvCxnSpPr/>
+          <p:nvPr/>
+        </p:nvCxnSpPr>
+        <p:spPr>
+          <a:xfrm flipH="1">
+            <a:off x="1852864" y="288757"/>
+            <a:ext cx="2755232" cy="2081464"/>
+          </a:xfrm>
+          <a:prstGeom prst="straightConnector1">
+            <a:avLst/>
+          </a:prstGeom>
+          <a:ln>
+            <a:solidFill>
+              <a:schemeClr val="accent5">
+                <a:lumMod val="50000"/>
+              </a:schemeClr>
+            </a:solidFill>
+            <a:tailEnd type="triangle"/>
+          </a:ln>
+        </p:spPr>
+        <p:style>
+          <a:lnRef idx="1">
+            <a:schemeClr val="accent1"/>
+          </a:lnRef>
+          <a:fillRef idx="0">
+            <a:schemeClr val="accent1"/>
+          </a:fillRef>
+          <a:effectRef idx="0">
+            <a:schemeClr val="accent1"/>
+          </a:effectRef>
+          <a:fontRef idx="minor">
+            <a:schemeClr val="tx1"/>
+          </a:fontRef>
+        </p:style>
+      </p:cxnSp>
+      <p:sp>
+        <p:nvSpPr>
+          <p:cNvPr id="7" name="Rectángulo 6"/>
+          <p:cNvSpPr/>
+          <p:nvPr/>
+        </p:nvSpPr>
+        <p:spPr>
+          <a:xfrm>
+            <a:off x="4692317" y="84221"/>
+            <a:ext cx="1082842" cy="324852"/>
+          </a:xfrm>
+          <a:prstGeom prst="rect">
+            <a:avLst/>
+          </a:prstGeom>
+        </p:spPr>
+        <p:style>
+          <a:lnRef idx="2">
+            <a:schemeClr val="accent1">
+              <a:shade val="50000"/>
+            </a:schemeClr>
+          </a:lnRef>
+          <a:fillRef idx="1">
+            <a:schemeClr val="accent1"/>
+          </a:fillRef>
+          <a:effectRef idx="0">
+            <a:schemeClr val="accent1"/>
+          </a:effectRef>
+          <a:fontRef idx="minor">
+            <a:schemeClr val="lt1"/>
+          </a:fontRef>
+        </p:style>
+        <p:txBody>
+          <a:bodyPr rtlCol="0" anchor="ctr"/>
+          <a:lstStyle/>
+          <a:p>
+            <a:pPr algn="ctr"/>
+            <a:r>
+              <a:rPr lang="es-MX" dirty="0" smtClean="0"/>
+              <a:t>Editar</a:t>
+            </a:r>
+            <a:endParaRPr lang="es-MX" dirty="0"/>
+          </a:p>
+        </p:txBody>
+      </p:sp>
+    </p:spTree>
+    <p:extLst>
+      <p:ext uri="{BB962C8B-B14F-4D97-AF65-F5344CB8AC3E}">
+        <p14:creationId xmlns:p14="http://schemas.microsoft.com/office/powerpoint/2010/main" val="1116087165"/>
+      </p:ext>
+    </p:extLst>
+  </p:cSld>
+  <p:clrMapOvr>
+    <a:masterClrMapping/>
+  </p:clrMapOvr>
+  <p:timing>
+    <p:tnLst>
+      <p:par>
+        <p:cTn id="1" dur="indefinite" restart="never" nodeType="tmRoot"/>
+      </p:par>
+    </p:tnLst>
+  </p:timing>
+</p:sld>
+</file>
+
+<file path=ppt/slides/slide13.xml><?xml version="1.0" encoding="utf-8"?>
+<p:sld xmlns:a="http://schemas.openxmlformats.org/drawingml/2006/main" xmlns:r="http://schemas.openxmlformats.org/officeDocument/2006/relationships" xmlns:p="http://schemas.openxmlformats.org/presentationml/2006/main">
+  <p:cSld>
+    <p:spTree>
+      <p:nvGrpSpPr>
+        <p:cNvPr id="1" name=""/>
+        <p:cNvGrpSpPr/>
+        <p:nvPr/>
+      </p:nvGrpSpPr>
+      <p:grpSpPr>
+        <a:xfrm>
+          <a:off x="0" y="0"/>
+          <a:ext cx="0" cy="0"/>
+          <a:chOff x="0" y="0"/>
+          <a:chExt cx="0" cy="0"/>
+        </a:xfrm>
+      </p:grpSpPr>
+      <p:pic>
+        <p:nvPicPr>
+          <p:cNvPr id="2" name="Imagen 1"/>
+          <p:cNvPicPr>
+            <a:picLocks noChangeAspect="1"/>
+          </p:cNvPicPr>
+          <p:nvPr/>
+        </p:nvPicPr>
+        <p:blipFill>
+          <a:blip r:embed="rId2"/>
+          <a:stretch>
+            <a:fillRect/>
+          </a:stretch>
+        </p:blipFill>
+        <p:spPr>
+          <a:xfrm>
+            <a:off x="816469" y="675924"/>
+            <a:ext cx="10150549" cy="4763470"/>
+          </a:xfrm>
+          <a:prstGeom prst="rect">
+            <a:avLst/>
+          </a:prstGeom>
+        </p:spPr>
+      </p:pic>
+      <p:sp>
+        <p:nvSpPr>
+          <p:cNvPr id="4" name="Rectángulo 3"/>
+          <p:cNvSpPr/>
+          <p:nvPr/>
+        </p:nvSpPr>
+        <p:spPr>
+          <a:xfrm>
+            <a:off x="5978299" y="1179095"/>
+            <a:ext cx="1773583" cy="324852"/>
+          </a:xfrm>
+          <a:prstGeom prst="rect">
+            <a:avLst/>
+          </a:prstGeom>
+        </p:spPr>
+        <p:style>
+          <a:lnRef idx="2">
+            <a:schemeClr val="accent1">
+              <a:shade val="50000"/>
+            </a:schemeClr>
+          </a:lnRef>
+          <a:fillRef idx="1">
+            <a:schemeClr val="accent1"/>
+          </a:fillRef>
+          <a:effectRef idx="0">
+            <a:schemeClr val="accent1"/>
+          </a:effectRef>
+          <a:fontRef idx="minor">
+            <a:schemeClr val="lt1"/>
+          </a:fontRef>
+        </p:style>
+        <p:txBody>
+          <a:bodyPr rtlCol="0" anchor="ctr"/>
+          <a:lstStyle/>
+          <a:p>
+            <a:pPr algn="ctr"/>
+            <a:r>
+              <a:rPr lang="es-MX" dirty="0" smtClean="0"/>
+              <a:t>Editar Campos</a:t>
+            </a:r>
+            <a:endParaRPr lang="es-MX" dirty="0"/>
+          </a:p>
+        </p:txBody>
+      </p:sp>
+      <p:sp>
+        <p:nvSpPr>
+          <p:cNvPr id="5" name="Abrir llave 4"/>
+          <p:cNvSpPr/>
+          <p:nvPr/>
+        </p:nvSpPr>
+        <p:spPr>
+          <a:xfrm rot="5400000">
+            <a:off x="6537770" y="-1944491"/>
+            <a:ext cx="654643" cy="7950720"/>
+          </a:xfrm>
+          <a:prstGeom prst="leftBrace">
+            <a:avLst>
+              <a:gd name="adj1" fmla="val 8333"/>
+              <a:gd name="adj2" fmla="val 49845"/>
+            </a:avLst>
+          </a:prstGeom>
+          <a:ln>
+            <a:solidFill>
+              <a:schemeClr val="accent5">
+                <a:lumMod val="50000"/>
+              </a:schemeClr>
+            </a:solidFill>
+          </a:ln>
+        </p:spPr>
+        <p:style>
+          <a:lnRef idx="1">
+            <a:schemeClr val="accent1"/>
+          </a:lnRef>
+          <a:fillRef idx="0">
+            <a:schemeClr val="accent1"/>
+          </a:fillRef>
+          <a:effectRef idx="0">
+            <a:schemeClr val="accent1"/>
+          </a:effectRef>
+          <a:fontRef idx="minor">
+            <a:schemeClr val="tx1"/>
+          </a:fontRef>
+        </p:style>
+        <p:txBody>
+          <a:bodyPr rtlCol="0" anchor="ctr"/>
+          <a:lstStyle/>
+          <a:p>
+            <a:pPr algn="ctr"/>
+            <a:endParaRPr lang="es-MX"/>
+          </a:p>
+        </p:txBody>
+      </p:sp>
+      <p:sp>
+        <p:nvSpPr>
+          <p:cNvPr id="6" name="Rectángulo 5"/>
+          <p:cNvSpPr/>
+          <p:nvPr/>
+        </p:nvSpPr>
+        <p:spPr>
+          <a:xfrm>
+            <a:off x="3621504" y="5638994"/>
+            <a:ext cx="1347537" cy="324852"/>
+          </a:xfrm>
+          <a:prstGeom prst="rect">
+            <a:avLst/>
+          </a:prstGeom>
+        </p:spPr>
+        <p:style>
+          <a:lnRef idx="2">
+            <a:schemeClr val="accent1">
+              <a:shade val="50000"/>
+            </a:schemeClr>
+          </a:lnRef>
+          <a:fillRef idx="1">
+            <a:schemeClr val="accent1"/>
+          </a:fillRef>
+          <a:effectRef idx="0">
+            <a:schemeClr val="accent1"/>
+          </a:effectRef>
+          <a:fontRef idx="minor">
+            <a:schemeClr val="lt1"/>
+          </a:fontRef>
+        </p:style>
+        <p:txBody>
+          <a:bodyPr rtlCol="0" anchor="ctr"/>
+          <a:lstStyle/>
+          <a:p>
+            <a:pPr algn="ctr"/>
+            <a:r>
+              <a:rPr lang="es-MX" dirty="0" smtClean="0"/>
+              <a:t>Paginación</a:t>
+            </a:r>
+            <a:endParaRPr lang="es-MX" dirty="0"/>
+          </a:p>
+        </p:txBody>
+      </p:sp>
+      <p:cxnSp>
+        <p:nvCxnSpPr>
+          <p:cNvPr id="7" name="Conector recto de flecha 6"/>
+          <p:cNvCxnSpPr/>
+          <p:nvPr/>
+        </p:nvCxnSpPr>
+        <p:spPr>
+          <a:xfrm flipH="1" flipV="1">
+            <a:off x="1624264" y="5342021"/>
+            <a:ext cx="1900989" cy="445168"/>
+          </a:xfrm>
+          <a:prstGeom prst="straightConnector1">
+            <a:avLst/>
+          </a:prstGeom>
+          <a:ln>
+            <a:solidFill>
+              <a:schemeClr val="accent5">
+                <a:lumMod val="50000"/>
+              </a:schemeClr>
+            </a:solidFill>
+            <a:tailEnd type="triangle"/>
+          </a:ln>
+        </p:spPr>
+        <p:style>
+          <a:lnRef idx="1">
+            <a:schemeClr val="accent1"/>
+          </a:lnRef>
+          <a:fillRef idx="0">
+            <a:schemeClr val="accent1"/>
+          </a:fillRef>
+          <a:effectRef idx="0">
+            <a:schemeClr val="accent1"/>
+          </a:effectRef>
+          <a:fontRef idx="minor">
+            <a:schemeClr val="tx1"/>
+          </a:fontRef>
+        </p:style>
+      </p:cxnSp>
+    </p:spTree>
+    <p:extLst>
+      <p:ext uri="{BB962C8B-B14F-4D97-AF65-F5344CB8AC3E}">
+        <p14:creationId xmlns:p14="http://schemas.microsoft.com/office/powerpoint/2010/main" val="957321005"/>
+      </p:ext>
+    </p:extLst>
+  </p:cSld>
+  <p:clrMapOvr>
+    <a:masterClrMapping/>
+  </p:clrMapOvr>
+  <p:timing>
+    <p:tnLst>
+      <p:par>
+        <p:cTn id="1" dur="indefinite" restart="never" nodeType="tmRoot"/>
+      </p:par>
+    </p:tnLst>
+  </p:timing>
+</p:sld>
+</file>
+
+<file path=ppt/slides/slide14.xml><?xml version="1.0" encoding="utf-8"?>
+<p:sld xmlns:a="http://schemas.openxmlformats.org/drawingml/2006/main" xmlns:r="http://schemas.openxmlformats.org/officeDocument/2006/relationships" xmlns:p="http://schemas.openxmlformats.org/presentationml/2006/main">
+  <p:cSld>
+    <p:spTree>
+      <p:nvGrpSpPr>
+        <p:cNvPr id="1" name=""/>
+        <p:cNvGrpSpPr/>
+        <p:nvPr/>
+      </p:nvGrpSpPr>
+      <p:grpSpPr>
+        <a:xfrm>
+          <a:off x="0" y="0"/>
+          <a:ext cx="0" cy="0"/>
+          <a:chOff x="0" y="0"/>
+          <a:chExt cx="0" cy="0"/>
+        </a:xfrm>
+      </p:grpSpPr>
+      <p:pic>
+        <p:nvPicPr>
+          <p:cNvPr id="2" name="Imagen 1"/>
+          <p:cNvPicPr>
+            <a:picLocks noChangeAspect="1"/>
+          </p:cNvPicPr>
+          <p:nvPr/>
+        </p:nvPicPr>
+        <p:blipFill>
+          <a:blip r:embed="rId2"/>
+          <a:stretch>
+            <a:fillRect/>
+          </a:stretch>
+        </p:blipFill>
+        <p:spPr>
+          <a:xfrm>
+            <a:off x="866775" y="952500"/>
+            <a:ext cx="10458450" cy="4953000"/>
+          </a:xfrm>
+          <a:prstGeom prst="rect">
+            <a:avLst/>
+          </a:prstGeom>
+        </p:spPr>
+      </p:pic>
+      <p:cxnSp>
+        <p:nvCxnSpPr>
+          <p:cNvPr id="3" name="Conector recto de flecha 2"/>
+          <p:cNvCxnSpPr/>
+          <p:nvPr/>
+        </p:nvCxnSpPr>
+        <p:spPr>
+          <a:xfrm flipH="1">
+            <a:off x="1913021" y="685800"/>
+            <a:ext cx="2755232" cy="2081464"/>
+          </a:xfrm>
+          <a:prstGeom prst="straightConnector1">
+            <a:avLst/>
+          </a:prstGeom>
+          <a:ln>
+            <a:solidFill>
+              <a:schemeClr val="accent5">
+                <a:lumMod val="50000"/>
+              </a:schemeClr>
+            </a:solidFill>
+            <a:tailEnd type="triangle"/>
+          </a:ln>
+        </p:spPr>
+        <p:style>
+          <a:lnRef idx="1">
+            <a:schemeClr val="accent1"/>
+          </a:lnRef>
+          <a:fillRef idx="0">
+            <a:schemeClr val="accent1"/>
+          </a:fillRef>
+          <a:effectRef idx="0">
+            <a:schemeClr val="accent1"/>
+          </a:effectRef>
+          <a:fontRef idx="minor">
+            <a:schemeClr val="tx1"/>
+          </a:fontRef>
+        </p:style>
+      </p:cxnSp>
+      <p:sp>
+        <p:nvSpPr>
+          <p:cNvPr id="4" name="Rectángulo 3"/>
+          <p:cNvSpPr/>
+          <p:nvPr/>
+        </p:nvSpPr>
+        <p:spPr>
+          <a:xfrm>
+            <a:off x="4752474" y="481264"/>
+            <a:ext cx="1082842" cy="324852"/>
+          </a:xfrm>
+          <a:prstGeom prst="rect">
+            <a:avLst/>
+          </a:prstGeom>
+        </p:spPr>
+        <p:style>
+          <a:lnRef idx="2">
+            <a:schemeClr val="accent1">
+              <a:shade val="50000"/>
+            </a:schemeClr>
+          </a:lnRef>
+          <a:fillRef idx="1">
+            <a:schemeClr val="accent1"/>
+          </a:fillRef>
+          <a:effectRef idx="0">
+            <a:schemeClr val="accent1"/>
+          </a:effectRef>
+          <a:fontRef idx="minor">
+            <a:schemeClr val="lt1"/>
+          </a:fontRef>
+        </p:style>
+        <p:txBody>
+          <a:bodyPr rtlCol="0" anchor="ctr"/>
+          <a:lstStyle/>
+          <a:p>
+            <a:pPr algn="ctr"/>
+            <a:r>
+              <a:rPr lang="es-MX" dirty="0" smtClean="0"/>
+              <a:t>Grabar</a:t>
+            </a:r>
+            <a:endParaRPr lang="es-MX" dirty="0"/>
+          </a:p>
+        </p:txBody>
+      </p:sp>
+      <p:cxnSp>
+        <p:nvCxnSpPr>
+          <p:cNvPr id="5" name="Conector recto de flecha 4"/>
+          <p:cNvCxnSpPr/>
+          <p:nvPr/>
+        </p:nvCxnSpPr>
+        <p:spPr>
+          <a:xfrm>
+            <a:off x="5919537" y="685800"/>
+            <a:ext cx="3140242" cy="529389"/>
+          </a:xfrm>
+          <a:prstGeom prst="straightConnector1">
+            <a:avLst/>
+          </a:prstGeom>
+          <a:ln>
+            <a:solidFill>
+              <a:schemeClr val="accent5">
+                <a:lumMod val="50000"/>
+              </a:schemeClr>
+            </a:solidFill>
+            <a:tailEnd type="triangle"/>
+          </a:ln>
+        </p:spPr>
+        <p:style>
+          <a:lnRef idx="1">
+            <a:schemeClr val="accent1"/>
+          </a:lnRef>
+          <a:fillRef idx="0">
+            <a:schemeClr val="accent1"/>
+          </a:fillRef>
+          <a:effectRef idx="0">
+            <a:schemeClr val="accent1"/>
+          </a:effectRef>
+          <a:fontRef idx="minor">
+            <a:schemeClr val="tx1"/>
+          </a:fontRef>
+        </p:style>
+      </p:cxnSp>
+    </p:spTree>
+    <p:extLst>
+      <p:ext uri="{BB962C8B-B14F-4D97-AF65-F5344CB8AC3E}">
+        <p14:creationId xmlns:p14="http://schemas.microsoft.com/office/powerpoint/2010/main" val="3940659129"/>
+      </p:ext>
+    </p:extLst>
+  </p:cSld>
+  <p:clrMapOvr>
+    <a:masterClrMapping/>
+  </p:clrMapOvr>
+  <p:timing>
+    <p:tnLst>
+      <p:par>
+        <p:cTn id="1" dur="indefinite" restart="never" nodeType="tmRoot"/>
+      </p:par>
+    </p:tnLst>
+  </p:timing>
+</p:sld>
+</file>
+
+<file path=ppt/slides/slide15.xml><?xml version="1.0" encoding="utf-8"?>
+<p:sld xmlns:a="http://schemas.openxmlformats.org/drawingml/2006/main" xmlns:r="http://schemas.openxmlformats.org/officeDocument/2006/relationships" xmlns:p="http://schemas.openxmlformats.org/presentationml/2006/main">
+  <p:cSld>
+    <p:spTree>
+      <p:nvGrpSpPr>
+        <p:cNvPr id="1" name=""/>
+        <p:cNvGrpSpPr/>
+        <p:nvPr/>
+      </p:nvGrpSpPr>
+      <p:grpSpPr>
+        <a:xfrm>
+          <a:off x="0" y="0"/>
+          <a:ext cx="0" cy="0"/>
+          <a:chOff x="0" y="0"/>
+          <a:chExt cx="0" cy="0"/>
+        </a:xfrm>
+      </p:grpSpPr>
+      <p:pic>
+        <p:nvPicPr>
+          <p:cNvPr id="2" name="Imagen 1"/>
+          <p:cNvPicPr>
+            <a:picLocks noChangeAspect="1"/>
+          </p:cNvPicPr>
+          <p:nvPr/>
+        </p:nvPicPr>
+        <p:blipFill>
+          <a:blip r:embed="rId2"/>
+          <a:stretch>
+            <a:fillRect/>
+          </a:stretch>
+        </p:blipFill>
+        <p:spPr>
+          <a:xfrm>
+            <a:off x="881313" y="1007394"/>
+            <a:ext cx="10477500" cy="4867275"/>
+          </a:xfrm>
+          <a:prstGeom prst="rect">
+            <a:avLst/>
+          </a:prstGeom>
+        </p:spPr>
+      </p:pic>
+      <p:cxnSp>
+        <p:nvCxnSpPr>
+          <p:cNvPr id="4" name="Conector recto de flecha 3"/>
+          <p:cNvCxnSpPr/>
+          <p:nvPr/>
+        </p:nvCxnSpPr>
+        <p:spPr>
+          <a:xfrm flipH="1">
+            <a:off x="2430379" y="757989"/>
+            <a:ext cx="2755232" cy="2081464"/>
+          </a:xfrm>
+          <a:prstGeom prst="straightConnector1">
+            <a:avLst/>
+          </a:prstGeom>
+          <a:ln>
+            <a:solidFill>
+              <a:schemeClr val="accent5">
+                <a:lumMod val="50000"/>
+              </a:schemeClr>
+            </a:solidFill>
+            <a:tailEnd type="triangle"/>
+          </a:ln>
+        </p:spPr>
+        <p:style>
+          <a:lnRef idx="1">
+            <a:schemeClr val="accent1"/>
+          </a:lnRef>
+          <a:fillRef idx="0">
+            <a:schemeClr val="accent1"/>
+          </a:fillRef>
+          <a:effectRef idx="0">
+            <a:schemeClr val="accent1"/>
+          </a:effectRef>
+          <a:fontRef idx="minor">
+            <a:schemeClr val="tx1"/>
+          </a:fontRef>
+        </p:style>
+      </p:cxnSp>
+      <p:sp>
+        <p:nvSpPr>
+          <p:cNvPr id="5" name="Rectángulo 4"/>
+          <p:cNvSpPr/>
+          <p:nvPr/>
+        </p:nvSpPr>
+        <p:spPr>
+          <a:xfrm>
+            <a:off x="5269832" y="553453"/>
+            <a:ext cx="1082842" cy="324852"/>
+          </a:xfrm>
+          <a:prstGeom prst="rect">
+            <a:avLst/>
+          </a:prstGeom>
+        </p:spPr>
+        <p:style>
+          <a:lnRef idx="2">
+            <a:schemeClr val="accent1">
+              <a:shade val="50000"/>
+            </a:schemeClr>
+          </a:lnRef>
+          <a:fillRef idx="1">
+            <a:schemeClr val="accent1"/>
+          </a:fillRef>
+          <a:effectRef idx="0">
+            <a:schemeClr val="accent1"/>
+          </a:effectRef>
+          <a:fontRef idx="minor">
+            <a:schemeClr val="lt1"/>
+          </a:fontRef>
+        </p:style>
+        <p:txBody>
+          <a:bodyPr rtlCol="0" anchor="ctr"/>
+          <a:lstStyle/>
+          <a:p>
+            <a:pPr algn="ctr"/>
+            <a:r>
+              <a:rPr lang="es-MX" dirty="0" smtClean="0"/>
+              <a:t>Eliminar</a:t>
+            </a:r>
+            <a:endParaRPr lang="es-MX" dirty="0"/>
+          </a:p>
+        </p:txBody>
+      </p:sp>
+    </p:spTree>
+    <p:extLst>
+      <p:ext uri="{BB962C8B-B14F-4D97-AF65-F5344CB8AC3E}">
+        <p14:creationId xmlns:p14="http://schemas.microsoft.com/office/powerpoint/2010/main" val="3345545717"/>
       </p:ext>
     </p:extLst>
   </p:cSld>
@@ -3031,114 +3882,38 @@
       </p:grpSpPr>
       <p:pic>
         <p:nvPicPr>
-          <p:cNvPr id="4" name="Imagen 3"/>
+          <p:cNvPr id="2" name="Imagen 1"/>
           <p:cNvPicPr>
             <a:picLocks noChangeAspect="1"/>
           </p:cNvPicPr>
           <p:nvPr/>
         </p:nvPicPr>
         <p:blipFill>
-          <a:blip r:embed="rId2"/>
+          <a:blip r:embed="rId2">
+            <a:extLst>
+              <a:ext uri="{28A0092B-C50C-407E-A947-70E740481C1C}">
+                <a14:useLocalDpi xmlns:a14="http://schemas.microsoft.com/office/drawing/2010/main" val="0"/>
+              </a:ext>
+            </a:extLst>
+          </a:blip>
           <a:stretch>
             <a:fillRect/>
           </a:stretch>
         </p:blipFill>
         <p:spPr>
           <a:xfrm>
-            <a:off x="683258" y="662922"/>
-            <a:ext cx="9817124" cy="4323604"/>
+            <a:off x="0" y="266012"/>
+            <a:ext cx="12192000" cy="6325975"/>
           </a:xfrm>
           <a:prstGeom prst="rect">
             <a:avLst/>
           </a:prstGeom>
         </p:spPr>
       </p:pic>
-      <p:cxnSp>
-        <p:nvCxnSpPr>
-          <p:cNvPr id="6" name="Conector recto de flecha 5"/>
-          <p:cNvCxnSpPr/>
-          <p:nvPr/>
-        </p:nvCxnSpPr>
-        <p:spPr>
-          <a:xfrm flipH="1">
-            <a:off x="1852864" y="288757"/>
-            <a:ext cx="2755232" cy="2081464"/>
-          </a:xfrm>
-          <a:prstGeom prst="straightConnector1">
-            <a:avLst/>
-          </a:prstGeom>
-          <a:ln>
-            <a:solidFill>
-              <a:schemeClr val="accent5">
-                <a:lumMod val="50000"/>
-              </a:schemeClr>
-            </a:solidFill>
-            <a:tailEnd type="triangle"/>
-          </a:ln>
-        </p:spPr>
-        <p:style>
-          <a:lnRef idx="1">
-            <a:schemeClr val="accent1"/>
-          </a:lnRef>
-          <a:fillRef idx="0">
-            <a:schemeClr val="accent1"/>
-          </a:fillRef>
-          <a:effectRef idx="0">
-            <a:schemeClr val="accent1"/>
-          </a:effectRef>
-          <a:fontRef idx="minor">
-            <a:schemeClr val="tx1"/>
-          </a:fontRef>
-        </p:style>
-      </p:cxnSp>
-      <p:sp>
-        <p:nvSpPr>
-          <p:cNvPr id="7" name="Rectángulo 6"/>
-          <p:cNvSpPr/>
-          <p:nvPr/>
-        </p:nvSpPr>
-        <p:spPr>
-          <a:xfrm>
-            <a:off x="4692317" y="84221"/>
-            <a:ext cx="1082842" cy="324852"/>
-          </a:xfrm>
-          <a:prstGeom prst="rect">
-            <a:avLst/>
-          </a:prstGeom>
-        </p:spPr>
-        <p:style>
-          <a:lnRef idx="2">
-            <a:schemeClr val="accent1">
-              <a:shade val="50000"/>
-            </a:schemeClr>
-          </a:lnRef>
-          <a:fillRef idx="1">
-            <a:schemeClr val="accent1"/>
-          </a:fillRef>
-          <a:effectRef idx="0">
-            <a:schemeClr val="accent1"/>
-          </a:effectRef>
-          <a:fontRef idx="minor">
-            <a:schemeClr val="lt1"/>
-          </a:fontRef>
-        </p:style>
-        <p:txBody>
-          <a:bodyPr rtlCol="0" anchor="ctr"/>
-          <a:lstStyle/>
-          <a:p>
-            <a:pPr algn="ctr"/>
-            <a:r>
-              <a:rPr lang="es-MX" dirty="0" smtClean="0"/>
-              <a:t>Editar</a:t>
-            </a:r>
-            <a:endParaRPr lang="es-MX" dirty="0"/>
-          </a:p>
-        </p:txBody>
-      </p:sp>
     </p:spTree>
     <p:extLst>
       <p:ext uri="{BB962C8B-B14F-4D97-AF65-F5344CB8AC3E}">
-        <p14:creationId xmlns:p14="http://schemas.microsoft.com/office/powerpoint/2010/main" val="1116087165"/>
+        <p14:creationId xmlns:p14="http://schemas.microsoft.com/office/powerpoint/2010/main" val="3813381798"/>
       </p:ext>
     </p:extLst>
   </p:cSld>
@@ -3181,199 +3956,31 @@
           <p:nvPr/>
         </p:nvPicPr>
         <p:blipFill>
-          <a:blip r:embed="rId2"/>
+          <a:blip r:embed="rId2">
+            <a:extLst>
+              <a:ext uri="{28A0092B-C50C-407E-A947-70E740481C1C}">
+                <a14:useLocalDpi xmlns:a14="http://schemas.microsoft.com/office/drawing/2010/main" val="0"/>
+              </a:ext>
+            </a:extLst>
+          </a:blip>
           <a:stretch>
             <a:fillRect/>
           </a:stretch>
         </p:blipFill>
         <p:spPr>
           <a:xfrm>
-            <a:off x="816469" y="675924"/>
-            <a:ext cx="10150549" cy="4763470"/>
+            <a:off x="0" y="262976"/>
+            <a:ext cx="12192000" cy="6332047"/>
           </a:xfrm>
           <a:prstGeom prst="rect">
             <a:avLst/>
           </a:prstGeom>
         </p:spPr>
       </p:pic>
-      <p:sp>
-        <p:nvSpPr>
-          <p:cNvPr id="4" name="Rectángulo 3"/>
-          <p:cNvSpPr/>
-          <p:nvPr/>
-        </p:nvSpPr>
-        <p:spPr>
-          <a:xfrm>
-            <a:off x="5978299" y="1179095"/>
-            <a:ext cx="1773583" cy="324852"/>
-          </a:xfrm>
-          <a:prstGeom prst="rect">
-            <a:avLst/>
-          </a:prstGeom>
-        </p:spPr>
-        <p:style>
-          <a:lnRef idx="2">
-            <a:schemeClr val="accent1">
-              <a:shade val="50000"/>
-            </a:schemeClr>
-          </a:lnRef>
-          <a:fillRef idx="1">
-            <a:schemeClr val="accent1"/>
-          </a:fillRef>
-          <a:effectRef idx="0">
-            <a:schemeClr val="accent1"/>
-          </a:effectRef>
-          <a:fontRef idx="minor">
-            <a:schemeClr val="lt1"/>
-          </a:fontRef>
-        </p:style>
-        <p:txBody>
-          <a:bodyPr rtlCol="0" anchor="ctr"/>
-          <a:lstStyle/>
-          <a:p>
-            <a:pPr algn="ctr"/>
-            <a:r>
-              <a:rPr lang="es-MX" dirty="0" smtClean="0"/>
-              <a:t>Editar Campos</a:t>
-            </a:r>
-            <a:endParaRPr lang="es-MX" dirty="0"/>
-          </a:p>
-        </p:txBody>
-      </p:sp>
-      <p:sp>
-        <p:nvSpPr>
-          <p:cNvPr id="5" name="Abrir llave 4"/>
-          <p:cNvSpPr/>
-          <p:nvPr/>
-        </p:nvSpPr>
-        <p:spPr>
-          <a:xfrm rot="5400000">
-            <a:off x="6537770" y="-1944491"/>
-            <a:ext cx="654643" cy="7950720"/>
-          </a:xfrm>
-          <a:prstGeom prst="leftBrace">
-            <a:avLst>
-              <a:gd name="adj1" fmla="val 8333"/>
-              <a:gd name="adj2" fmla="val 49845"/>
-            </a:avLst>
-          </a:prstGeom>
-          <a:ln>
-            <a:solidFill>
-              <a:schemeClr val="accent5">
-                <a:lumMod val="50000"/>
-              </a:schemeClr>
-            </a:solidFill>
-          </a:ln>
-        </p:spPr>
-        <p:style>
-          <a:lnRef idx="1">
-            <a:schemeClr val="accent1"/>
-          </a:lnRef>
-          <a:fillRef idx="0">
-            <a:schemeClr val="accent1"/>
-          </a:fillRef>
-          <a:effectRef idx="0">
-            <a:schemeClr val="accent1"/>
-          </a:effectRef>
-          <a:fontRef idx="minor">
-            <a:schemeClr val="tx1"/>
-          </a:fontRef>
-        </p:style>
-        <p:txBody>
-          <a:bodyPr rtlCol="0" anchor="ctr"/>
-          <a:lstStyle/>
-          <a:p>
-            <a:pPr algn="ctr"/>
-            <a:endParaRPr lang="es-MX"/>
-          </a:p>
-        </p:txBody>
-      </p:sp>
-      <p:sp>
-        <p:nvSpPr>
-          <p:cNvPr id="6" name="Rectángulo 5"/>
-          <p:cNvSpPr/>
-          <p:nvPr/>
-        </p:nvSpPr>
-        <p:spPr>
-          <a:xfrm>
-            <a:off x="3621504" y="5638994"/>
-            <a:ext cx="1347537" cy="324852"/>
-          </a:xfrm>
-          <a:prstGeom prst="rect">
-            <a:avLst/>
-          </a:prstGeom>
-        </p:spPr>
-        <p:style>
-          <a:lnRef idx="2">
-            <a:schemeClr val="accent1">
-              <a:shade val="50000"/>
-            </a:schemeClr>
-          </a:lnRef>
-          <a:fillRef idx="1">
-            <a:schemeClr val="accent1"/>
-          </a:fillRef>
-          <a:effectRef idx="0">
-            <a:schemeClr val="accent1"/>
-          </a:effectRef>
-          <a:fontRef idx="minor">
-            <a:schemeClr val="lt1"/>
-          </a:fontRef>
-        </p:style>
-        <p:txBody>
-          <a:bodyPr rtlCol="0" anchor="ctr"/>
-          <a:lstStyle/>
-          <a:p>
-            <a:pPr algn="ctr"/>
-            <a:r>
-              <a:rPr lang="es-MX" dirty="0" smtClean="0"/>
-              <a:t>Paginación</a:t>
-            </a:r>
-            <a:endParaRPr lang="es-MX" dirty="0"/>
-          </a:p>
-        </p:txBody>
-      </p:sp>
-      <p:cxnSp>
-        <p:nvCxnSpPr>
-          <p:cNvPr id="7" name="Conector recto de flecha 6"/>
-          <p:cNvCxnSpPr/>
-          <p:nvPr/>
-        </p:nvCxnSpPr>
-        <p:spPr>
-          <a:xfrm flipH="1" flipV="1">
-            <a:off x="1624264" y="5342021"/>
-            <a:ext cx="1900989" cy="445168"/>
-          </a:xfrm>
-          <a:prstGeom prst="straightConnector1">
-            <a:avLst/>
-          </a:prstGeom>
-          <a:ln>
-            <a:solidFill>
-              <a:schemeClr val="accent5">
-                <a:lumMod val="50000"/>
-              </a:schemeClr>
-            </a:solidFill>
-            <a:tailEnd type="triangle"/>
-          </a:ln>
-        </p:spPr>
-        <p:style>
-          <a:lnRef idx="1">
-            <a:schemeClr val="accent1"/>
-          </a:lnRef>
-          <a:fillRef idx="0">
-            <a:schemeClr val="accent1"/>
-          </a:fillRef>
-          <a:effectRef idx="0">
-            <a:schemeClr val="accent1"/>
-          </a:effectRef>
-          <a:fontRef idx="minor">
-            <a:schemeClr val="tx1"/>
-          </a:fontRef>
-        </p:style>
-      </p:cxnSp>
     </p:spTree>
     <p:extLst>
       <p:ext uri="{BB962C8B-B14F-4D97-AF65-F5344CB8AC3E}">
-        <p14:creationId xmlns:p14="http://schemas.microsoft.com/office/powerpoint/2010/main" val="957321005"/>
+        <p14:creationId xmlns:p14="http://schemas.microsoft.com/office/powerpoint/2010/main" val="3365949945"/>
       </p:ext>
     </p:extLst>
   </p:cSld>
@@ -3416,145 +4023,31 @@
           <p:nvPr/>
         </p:nvPicPr>
         <p:blipFill>
-          <a:blip r:embed="rId2"/>
+          <a:blip r:embed="rId2">
+            <a:extLst>
+              <a:ext uri="{28A0092B-C50C-407E-A947-70E740481C1C}">
+                <a14:useLocalDpi xmlns:a14="http://schemas.microsoft.com/office/drawing/2010/main" val="0"/>
+              </a:ext>
+            </a:extLst>
+          </a:blip>
           <a:stretch>
             <a:fillRect/>
           </a:stretch>
         </p:blipFill>
         <p:spPr>
           <a:xfrm>
-            <a:off x="866775" y="952500"/>
-            <a:ext cx="10458450" cy="4953000"/>
+            <a:off x="0" y="511376"/>
+            <a:ext cx="12192000" cy="5835247"/>
           </a:xfrm>
           <a:prstGeom prst="rect">
             <a:avLst/>
           </a:prstGeom>
         </p:spPr>
       </p:pic>
-      <p:cxnSp>
-        <p:nvCxnSpPr>
-          <p:cNvPr id="3" name="Conector recto de flecha 2"/>
-          <p:cNvCxnSpPr/>
-          <p:nvPr/>
-        </p:nvCxnSpPr>
-        <p:spPr>
-          <a:xfrm flipH="1">
-            <a:off x="1913021" y="685800"/>
-            <a:ext cx="2755232" cy="2081464"/>
-          </a:xfrm>
-          <a:prstGeom prst="straightConnector1">
-            <a:avLst/>
-          </a:prstGeom>
-          <a:ln>
-            <a:solidFill>
-              <a:schemeClr val="accent5">
-                <a:lumMod val="50000"/>
-              </a:schemeClr>
-            </a:solidFill>
-            <a:tailEnd type="triangle"/>
-          </a:ln>
-        </p:spPr>
-        <p:style>
-          <a:lnRef idx="1">
-            <a:schemeClr val="accent1"/>
-          </a:lnRef>
-          <a:fillRef idx="0">
-            <a:schemeClr val="accent1"/>
-          </a:fillRef>
-          <a:effectRef idx="0">
-            <a:schemeClr val="accent1"/>
-          </a:effectRef>
-          <a:fontRef idx="minor">
-            <a:schemeClr val="tx1"/>
-          </a:fontRef>
-        </p:style>
-      </p:cxnSp>
-      <p:sp>
-        <p:nvSpPr>
-          <p:cNvPr id="4" name="Rectángulo 3"/>
-          <p:cNvSpPr/>
-          <p:nvPr/>
-        </p:nvSpPr>
-        <p:spPr>
-          <a:xfrm>
-            <a:off x="4752474" y="481264"/>
-            <a:ext cx="1082842" cy="324852"/>
-          </a:xfrm>
-          <a:prstGeom prst="rect">
-            <a:avLst/>
-          </a:prstGeom>
-        </p:spPr>
-        <p:style>
-          <a:lnRef idx="2">
-            <a:schemeClr val="accent1">
-              <a:shade val="50000"/>
-            </a:schemeClr>
-          </a:lnRef>
-          <a:fillRef idx="1">
-            <a:schemeClr val="accent1"/>
-          </a:fillRef>
-          <a:effectRef idx="0">
-            <a:schemeClr val="accent1"/>
-          </a:effectRef>
-          <a:fontRef idx="minor">
-            <a:schemeClr val="lt1"/>
-          </a:fontRef>
-        </p:style>
-        <p:txBody>
-          <a:bodyPr rtlCol="0" anchor="ctr"/>
-          <a:lstStyle/>
-          <a:p>
-            <a:pPr algn="ctr"/>
-            <a:r>
-              <a:rPr lang="es-MX" dirty="0" smtClean="0"/>
-              <a:t>Grabar</a:t>
-            </a:r>
-            <a:endParaRPr lang="es-MX" dirty="0"/>
-          </a:p>
-        </p:txBody>
-      </p:sp>
-      <p:cxnSp>
-        <p:nvCxnSpPr>
-          <p:cNvPr id="5" name="Conector recto de flecha 4"/>
-          <p:cNvCxnSpPr/>
-          <p:nvPr/>
-        </p:nvCxnSpPr>
-        <p:spPr>
-          <a:xfrm>
-            <a:off x="5919537" y="685800"/>
-            <a:ext cx="3140242" cy="529389"/>
-          </a:xfrm>
-          <a:prstGeom prst="straightConnector1">
-            <a:avLst/>
-          </a:prstGeom>
-          <a:ln>
-            <a:solidFill>
-              <a:schemeClr val="accent5">
-                <a:lumMod val="50000"/>
-              </a:schemeClr>
-            </a:solidFill>
-            <a:tailEnd type="triangle"/>
-          </a:ln>
-        </p:spPr>
-        <p:style>
-          <a:lnRef idx="1">
-            <a:schemeClr val="accent1"/>
-          </a:lnRef>
-          <a:fillRef idx="0">
-            <a:schemeClr val="accent1"/>
-          </a:fillRef>
-          <a:effectRef idx="0">
-            <a:schemeClr val="accent1"/>
-          </a:effectRef>
-          <a:fontRef idx="minor">
-            <a:schemeClr val="tx1"/>
-          </a:fontRef>
-        </p:style>
-      </p:cxnSp>
     </p:spTree>
     <p:extLst>
       <p:ext uri="{BB962C8B-B14F-4D97-AF65-F5344CB8AC3E}">
-        <p14:creationId xmlns:p14="http://schemas.microsoft.com/office/powerpoint/2010/main" val="3940659129"/>
+        <p14:creationId xmlns:p14="http://schemas.microsoft.com/office/powerpoint/2010/main" val="219302672"/>
       </p:ext>
     </p:extLst>
   </p:cSld>
@@ -3597,69 +4090,178 @@
           <p:nvPr/>
         </p:nvPicPr>
         <p:blipFill>
-          <a:blip r:embed="rId2"/>
+          <a:blip r:embed="rId2">
+            <a:extLst>
+              <a:ext uri="{28A0092B-C50C-407E-A947-70E740481C1C}">
+                <a14:useLocalDpi xmlns:a14="http://schemas.microsoft.com/office/drawing/2010/main" val="0"/>
+              </a:ext>
+            </a:extLst>
+          </a:blip>
           <a:stretch>
             <a:fillRect/>
           </a:stretch>
         </p:blipFill>
         <p:spPr>
           <a:xfrm>
-            <a:off x="881313" y="1007394"/>
-            <a:ext cx="10477500" cy="4867275"/>
+            <a:off x="0" y="621869"/>
+            <a:ext cx="12192000" cy="5614261"/>
           </a:xfrm>
           <a:prstGeom prst="rect">
             <a:avLst/>
           </a:prstGeom>
         </p:spPr>
       </p:pic>
-      <p:cxnSp>
-        <p:nvCxnSpPr>
-          <p:cNvPr id="4" name="Conector recto de flecha 3"/>
-          <p:cNvCxnSpPr/>
+    </p:spTree>
+    <p:extLst>
+      <p:ext uri="{BB962C8B-B14F-4D97-AF65-F5344CB8AC3E}">
+        <p14:creationId xmlns:p14="http://schemas.microsoft.com/office/powerpoint/2010/main" val="3247622918"/>
+      </p:ext>
+    </p:extLst>
+  </p:cSld>
+  <p:clrMapOvr>
+    <a:masterClrMapping/>
+  </p:clrMapOvr>
+  <p:timing>
+    <p:tnLst>
+      <p:par>
+        <p:cTn id="1" dur="indefinite" restart="never" nodeType="tmRoot"/>
+      </p:par>
+    </p:tnLst>
+  </p:timing>
+</p:sld>
+</file>
+
+<file path=ppt/slides/slide6.xml><?xml version="1.0" encoding="utf-8"?>
+<p:sld xmlns:a="http://schemas.openxmlformats.org/drawingml/2006/main" xmlns:r="http://schemas.openxmlformats.org/officeDocument/2006/relationships" xmlns:p="http://schemas.openxmlformats.org/presentationml/2006/main">
+  <p:cSld>
+    <p:spTree>
+      <p:nvGrpSpPr>
+        <p:cNvPr id="1" name=""/>
+        <p:cNvGrpSpPr/>
+        <p:nvPr/>
+      </p:nvGrpSpPr>
+      <p:grpSpPr>
+        <a:xfrm>
+          <a:off x="0" y="0"/>
+          <a:ext cx="0" cy="0"/>
+          <a:chOff x="0" y="0"/>
+          <a:chExt cx="0" cy="0"/>
+        </a:xfrm>
+      </p:grpSpPr>
+      <p:pic>
+        <p:nvPicPr>
+          <p:cNvPr id="2" name="Imagen 1"/>
+          <p:cNvPicPr>
+            <a:picLocks noChangeAspect="1"/>
+          </p:cNvPicPr>
           <p:nvPr/>
-        </p:nvCxnSpPr>
-        <p:spPr>
-          <a:xfrm flipH="1">
-            <a:off x="2430379" y="757989"/>
-            <a:ext cx="2755232" cy="2081464"/>
-          </a:xfrm>
-          <a:prstGeom prst="straightConnector1">
+        </p:nvPicPr>
+        <p:blipFill>
+          <a:blip r:embed="rId2">
+            <a:extLst>
+              <a:ext uri="{28A0092B-C50C-407E-A947-70E740481C1C}">
+                <a14:useLocalDpi xmlns:a14="http://schemas.microsoft.com/office/drawing/2010/main" val="0"/>
+              </a:ext>
+            </a:extLst>
+          </a:blip>
+          <a:stretch>
+            <a:fillRect/>
+          </a:stretch>
+        </p:blipFill>
+        <p:spPr>
+          <a:xfrm>
+            <a:off x="304298" y="586493"/>
+            <a:ext cx="11583404" cy="5685013"/>
+          </a:xfrm>
+          <a:prstGeom prst="rect">
             <a:avLst/>
           </a:prstGeom>
-          <a:ln>
-            <a:solidFill>
-              <a:schemeClr val="accent5">
-                <a:lumMod val="50000"/>
-              </a:schemeClr>
-            </a:solidFill>
-            <a:tailEnd type="triangle"/>
-          </a:ln>
-        </p:spPr>
-        <p:style>
-          <a:lnRef idx="1">
-            <a:schemeClr val="accent1"/>
-          </a:lnRef>
-          <a:fillRef idx="0">
-            <a:schemeClr val="accent1"/>
-          </a:fillRef>
-          <a:effectRef idx="0">
-            <a:schemeClr val="accent1"/>
-          </a:effectRef>
-          <a:fontRef idx="minor">
-            <a:schemeClr val="tx1"/>
-          </a:fontRef>
-        </p:style>
-      </p:cxnSp>
-      <p:sp>
-        <p:nvSpPr>
-          <p:cNvPr id="5" name="Rectángulo 4"/>
+        </p:spPr>
+      </p:pic>
+    </p:spTree>
+    <p:extLst>
+      <p:ext uri="{BB962C8B-B14F-4D97-AF65-F5344CB8AC3E}">
+        <p14:creationId xmlns:p14="http://schemas.microsoft.com/office/powerpoint/2010/main" val="1083328781"/>
+      </p:ext>
+    </p:extLst>
+  </p:cSld>
+  <p:clrMapOvr>
+    <a:masterClrMapping/>
+  </p:clrMapOvr>
+  <p:timing>
+    <p:tnLst>
+      <p:par>
+        <p:cTn id="1" dur="indefinite" restart="never" nodeType="tmRoot"/>
+      </p:par>
+    </p:tnLst>
+  </p:timing>
+</p:sld>
+</file>
+
+<file path=ppt/slides/slide7.xml><?xml version="1.0" encoding="utf-8"?>
+<p:sld xmlns:a="http://schemas.openxmlformats.org/drawingml/2006/main" xmlns:r="http://schemas.openxmlformats.org/officeDocument/2006/relationships" xmlns:p="http://schemas.openxmlformats.org/presentationml/2006/main">
+  <p:cSld>
+    <p:spTree>
+      <p:nvGrpSpPr>
+        <p:cNvPr id="1" name=""/>
+        <p:cNvGrpSpPr/>
+        <p:nvPr/>
+      </p:nvGrpSpPr>
+      <p:grpSpPr>
+        <a:xfrm>
+          <a:off x="0" y="0"/>
+          <a:ext cx="0" cy="0"/>
+          <a:chOff x="0" y="0"/>
+          <a:chExt cx="0" cy="0"/>
+        </a:xfrm>
+      </p:grpSpPr>
+      <p:pic>
+        <p:nvPicPr>
+          <p:cNvPr id="2" name="Imagen 1"/>
+          <p:cNvPicPr>
+            <a:picLocks noChangeAspect="1"/>
+          </p:cNvPicPr>
+          <p:nvPr/>
+        </p:nvPicPr>
+        <p:blipFill>
+          <a:blip r:embed="rId2">
+            <a:extLst>
+              <a:ext uri="{28A0092B-C50C-407E-A947-70E740481C1C}">
+                <a14:useLocalDpi xmlns:a14="http://schemas.microsoft.com/office/drawing/2010/main" val="0"/>
+              </a:ext>
+            </a:extLst>
+          </a:blip>
+          <a:stretch>
+            <a:fillRect/>
+          </a:stretch>
+        </p:blipFill>
+        <p:spPr>
+          <a:xfrm>
+            <a:off x="2594306" y="1607662"/>
+            <a:ext cx="7003387" cy="3642676"/>
+          </a:xfrm>
+          <a:prstGeom prst="rect">
+            <a:avLst/>
+          </a:prstGeom>
+          <a:effectLst>
+            <a:outerShdw blurRad="50800" dist="38100" dir="10800000" algn="r" rotWithShape="0">
+              <a:prstClr val="black">
+                <a:alpha val="40000"/>
+              </a:prstClr>
+            </a:outerShdw>
+          </a:effectLst>
+        </p:spPr>
+      </p:pic>
+      <p:sp>
+        <p:nvSpPr>
+          <p:cNvPr id="4" name="Rectángulo 3"/>
           <p:cNvSpPr/>
           <p:nvPr/>
         </p:nvSpPr>
         <p:spPr>
           <a:xfrm>
-            <a:off x="5269832" y="553453"/>
-            <a:ext cx="1082842" cy="324852"/>
+            <a:off x="0" y="0"/>
+            <a:ext cx="6709893" cy="566671"/>
           </a:xfrm>
           <a:prstGeom prst="rect">
             <a:avLst/>
@@ -3688,7 +4290,7 @@
             <a:pPr algn="ctr"/>
             <a:r>
               <a:rPr lang="es-MX" dirty="0" smtClean="0"/>
-              <a:t>Eliminar</a:t>
+              <a:t>Llega correo con los pasos a seguir para restablecer contraseña</a:t>
             </a:r>
             <a:endParaRPr lang="es-MX" dirty="0"/>
           </a:p>
@@ -3697,7 +4299,141 @@
     </p:spTree>
     <p:extLst>
       <p:ext uri="{BB962C8B-B14F-4D97-AF65-F5344CB8AC3E}">
-        <p14:creationId xmlns:p14="http://schemas.microsoft.com/office/powerpoint/2010/main" val="3345545717"/>
+        <p14:creationId xmlns:p14="http://schemas.microsoft.com/office/powerpoint/2010/main" val="2738732535"/>
+      </p:ext>
+    </p:extLst>
+  </p:cSld>
+  <p:clrMapOvr>
+    <a:masterClrMapping/>
+  </p:clrMapOvr>
+  <p:timing>
+    <p:tnLst>
+      <p:par>
+        <p:cTn id="1" dur="indefinite" restart="never" nodeType="tmRoot"/>
+      </p:par>
+    </p:tnLst>
+  </p:timing>
+</p:sld>
+</file>
+
+<file path=ppt/slides/slide8.xml><?xml version="1.0" encoding="utf-8"?>
+<p:sld xmlns:a="http://schemas.openxmlformats.org/drawingml/2006/main" xmlns:r="http://schemas.openxmlformats.org/officeDocument/2006/relationships" xmlns:p="http://schemas.openxmlformats.org/presentationml/2006/main">
+  <p:cSld>
+    <p:spTree>
+      <p:nvGrpSpPr>
+        <p:cNvPr id="1" name=""/>
+        <p:cNvGrpSpPr/>
+        <p:nvPr/>
+      </p:nvGrpSpPr>
+      <p:grpSpPr>
+        <a:xfrm>
+          <a:off x="0" y="0"/>
+          <a:ext cx="0" cy="0"/>
+          <a:chOff x="0" y="0"/>
+          <a:chExt cx="0" cy="0"/>
+        </a:xfrm>
+      </p:grpSpPr>
+      <p:pic>
+        <p:nvPicPr>
+          <p:cNvPr id="2" name="Imagen 1"/>
+          <p:cNvPicPr>
+            <a:picLocks noChangeAspect="1"/>
+          </p:cNvPicPr>
+          <p:nvPr/>
+        </p:nvPicPr>
+        <p:blipFill>
+          <a:blip r:embed="rId2">
+            <a:extLst>
+              <a:ext uri="{28A0092B-C50C-407E-A947-70E740481C1C}">
+                <a14:useLocalDpi xmlns:a14="http://schemas.microsoft.com/office/drawing/2010/main" val="0"/>
+              </a:ext>
+            </a:extLst>
+          </a:blip>
+          <a:stretch>
+            <a:fillRect/>
+          </a:stretch>
+        </p:blipFill>
+        <p:spPr>
+          <a:xfrm>
+            <a:off x="0" y="255689"/>
+            <a:ext cx="12192000" cy="6346622"/>
+          </a:xfrm>
+          <a:prstGeom prst="rect">
+            <a:avLst/>
+          </a:prstGeom>
+        </p:spPr>
+      </p:pic>
+    </p:spTree>
+    <p:extLst>
+      <p:ext uri="{BB962C8B-B14F-4D97-AF65-F5344CB8AC3E}">
+        <p14:creationId xmlns:p14="http://schemas.microsoft.com/office/powerpoint/2010/main" val="2844162866"/>
+      </p:ext>
+    </p:extLst>
+  </p:cSld>
+  <p:clrMapOvr>
+    <a:masterClrMapping/>
+  </p:clrMapOvr>
+  <p:timing>
+    <p:tnLst>
+      <p:par>
+        <p:cTn id="1" dur="indefinite" restart="never" nodeType="tmRoot"/>
+      </p:par>
+    </p:tnLst>
+  </p:timing>
+</p:sld>
+</file>
+
+<file path=ppt/slides/slide9.xml><?xml version="1.0" encoding="utf-8"?>
+<p:sld xmlns:a="http://schemas.openxmlformats.org/drawingml/2006/main" xmlns:r="http://schemas.openxmlformats.org/officeDocument/2006/relationships" xmlns:p="http://schemas.openxmlformats.org/presentationml/2006/main">
+  <p:cSld>
+    <p:spTree>
+      <p:nvGrpSpPr>
+        <p:cNvPr id="1" name=""/>
+        <p:cNvGrpSpPr/>
+        <p:nvPr/>
+      </p:nvGrpSpPr>
+      <p:grpSpPr>
+        <a:xfrm>
+          <a:off x="0" y="0"/>
+          <a:ext cx="0" cy="0"/>
+          <a:chOff x="0" y="0"/>
+          <a:chExt cx="0" cy="0"/>
+        </a:xfrm>
+      </p:grpSpPr>
+      <p:pic>
+        <p:nvPicPr>
+          <p:cNvPr id="2" name="Imagen 1"/>
+          <p:cNvPicPr>
+            <a:picLocks noChangeAspect="1"/>
+          </p:cNvPicPr>
+          <p:nvPr/>
+        </p:nvPicPr>
+        <p:blipFill>
+          <a:blip r:embed="rId2">
+            <a:extLst>
+              <a:ext uri="{28A0092B-C50C-407E-A947-70E740481C1C}">
+                <a14:useLocalDpi xmlns:a14="http://schemas.microsoft.com/office/drawing/2010/main" val="0"/>
+              </a:ext>
+            </a:extLst>
+          </a:blip>
+          <a:stretch>
+            <a:fillRect/>
+          </a:stretch>
+        </p:blipFill>
+        <p:spPr>
+          <a:xfrm>
+            <a:off x="609124" y="578873"/>
+            <a:ext cx="10973751" cy="5700254"/>
+          </a:xfrm>
+          <a:prstGeom prst="rect">
+            <a:avLst/>
+          </a:prstGeom>
+        </p:spPr>
+      </p:pic>
+    </p:spTree>
+    <p:extLst>
+      <p:ext uri="{BB962C8B-B14F-4D97-AF65-F5344CB8AC3E}">
+        <p14:creationId xmlns:p14="http://schemas.microsoft.com/office/powerpoint/2010/main" val="591813123"/>
       </p:ext>
     </p:extLst>
   </p:cSld>
